--- a/doc/SyntaxDocumentation.pptx
+++ b/doc/SyntaxDocumentation.pptx
@@ -6539,102 +6539,6 @@
       </p:grpSpPr>
       <p:sp>
         <p:nvSpPr>
-          <p:cNvPr id="28" name="Ellipse 27"/>
-          <p:cNvSpPr/>
-          <p:nvPr/>
-        </p:nvSpPr>
-        <p:spPr>
-          <a:xfrm>
-            <a:off x="4891751" y="4893785"/>
-            <a:ext cx="280514" cy="225128"/>
-          </a:xfrm>
-          <a:prstGeom prst="ellipse">
-            <a:avLst/>
-          </a:prstGeom>
-          <a:solidFill>
-            <a:schemeClr val="accent1"/>
-          </a:solidFill>
-          <a:ln>
-            <a:solidFill>
-              <a:schemeClr val="tx1"/>
-            </a:solidFill>
-            <a:headEnd type="none" w="med" len="med"/>
-            <a:tailEnd type="arrow" w="med" len="med"/>
-          </a:ln>
-        </p:spPr>
-        <p:style>
-          <a:lnRef idx="2">
-            <a:schemeClr val="accent1">
-              <a:shade val="50000"/>
-            </a:schemeClr>
-          </a:lnRef>
-          <a:fillRef idx="1">
-            <a:schemeClr val="accent1"/>
-          </a:fillRef>
-          <a:effectRef idx="0">
-            <a:schemeClr val="accent1"/>
-          </a:effectRef>
-          <a:fontRef idx="minor">
-            <a:schemeClr val="lt1"/>
-          </a:fontRef>
-        </p:style>
-        <p:txBody>
-          <a:bodyPr rot="0" spcFirstLastPara="0" vertOverflow="overflow" horzOverflow="overflow" vert="horz" wrap="square" lIns="91440" tIns="45720" rIns="91440" bIns="45720" numCol="1" spcCol="0" rtlCol="0" fromWordArt="0" anchor="ctr" anchorCtr="0" forceAA="0" compatLnSpc="1">
-            <a:prstTxWarp prst="textNoShape">
-              <a:avLst/>
-            </a:prstTxWarp>
-            <a:noAutofit/>
-          </a:bodyPr>
-          <a:lstStyle/>
-          <a:p>
-            <a:pPr algn="ctr"/>
-            <a:endParaRPr lang="en-US"/>
-          </a:p>
-        </p:txBody>
-      </p:sp>
-      <p:cxnSp>
-        <p:nvCxnSpPr>
-          <p:cNvPr id="22" name="Gewinkelter Verbinder 21"/>
-          <p:cNvCxnSpPr>
-            <a:stCxn id="5" idx="3"/>
-            <a:endCxn id="6" idx="1"/>
-          </p:cNvCxnSpPr>
-          <p:nvPr/>
-        </p:nvCxnSpPr>
-        <p:spPr>
-          <a:xfrm flipV="1">
-            <a:off x="5169317" y="4365116"/>
-            <a:ext cx="789447" cy="475756"/>
-          </a:xfrm>
-          <a:prstGeom prst="bentConnector3">
-            <a:avLst>
-              <a:gd name="adj1" fmla="val 50000"/>
-            </a:avLst>
-          </a:prstGeom>
-          <a:ln w="9525">
-            <a:solidFill>
-              <a:schemeClr val="tx1"/>
-            </a:solidFill>
-            <a:tailEnd type="triangle"/>
-          </a:ln>
-        </p:spPr>
-        <p:style>
-          <a:lnRef idx="1">
-            <a:schemeClr val="accent1"/>
-          </a:lnRef>
-          <a:fillRef idx="0">
-            <a:schemeClr val="accent1"/>
-          </a:fillRef>
-          <a:effectRef idx="0">
-            <a:schemeClr val="accent1"/>
-          </a:effectRef>
-          <a:fontRef idx="minor">
-            <a:schemeClr val="tx1"/>
-          </a:fontRef>
-        </p:style>
-      </p:cxnSp>
-      <p:sp>
-        <p:nvSpPr>
           <p:cNvPr id="2" name="Inhaltsplatzhalter 1"/>
           <p:cNvSpPr>
             <a:spLocks noGrp="1"/>
@@ -7011,494 +6915,125 @@
           </a:p>
         </p:txBody>
       </p:sp>
-      <p:sp>
-        <p:nvSpPr>
-          <p:cNvPr id="5" name="Rechteck 4"/>
-          <p:cNvSpPr/>
-          <p:nvPr/>
-        </p:nvSpPr>
-        <p:spPr>
-          <a:xfrm>
-            <a:off x="3107251" y="4551622"/>
-            <a:ext cx="2062066" cy="578499"/>
-          </a:xfrm>
-          <a:prstGeom prst="rect">
-            <a:avLst/>
-          </a:prstGeom>
-          <a:solidFill>
-            <a:schemeClr val="bg1"/>
-          </a:solidFill>
-          <a:ln w="9525">
-            <a:solidFill>
-              <a:schemeClr val="tx1"/>
-            </a:solidFill>
-            <a:headEnd type="none" w="med" len="med"/>
-            <a:tailEnd type="arrow" w="med" len="med"/>
-          </a:ln>
-        </p:spPr>
-        <p:style>
-          <a:lnRef idx="2">
-            <a:schemeClr val="accent1">
-              <a:shade val="50000"/>
-            </a:schemeClr>
-          </a:lnRef>
-          <a:fillRef idx="1">
-            <a:schemeClr val="accent1"/>
-          </a:fillRef>
-          <a:effectRef idx="0">
-            <a:schemeClr val="accent1"/>
-          </a:effectRef>
-          <a:fontRef idx="minor">
-            <a:schemeClr val="lt1"/>
-          </a:fontRef>
-        </p:style>
-        <p:txBody>
-          <a:bodyPr rot="0" spcFirstLastPara="0" vertOverflow="overflow" horzOverflow="overflow" vert="horz" wrap="square" lIns="91440" tIns="45720" rIns="91440" bIns="45720" numCol="1" spcCol="0" rtlCol="0" fromWordArt="0" anchor="ctr" anchorCtr="0" forceAA="0" compatLnSpc="1">
-            <a:prstTxWarp prst="textNoShape">
-              <a:avLst/>
-            </a:prstTxWarp>
-            <a:noAutofit/>
-          </a:bodyPr>
-          <a:lstStyle/>
-          <a:p>
-            <a:pPr algn="ctr"/>
-            <a:r>
-              <a:rPr lang="en-US" dirty="0" err="1" smtClean="0">
-                <a:solidFill>
-                  <a:schemeClr val="tx1"/>
-                </a:solidFill>
-              </a:rPr>
-              <a:t>FeatureDiagram</a:t>
-            </a:r>
-            <a:endParaRPr lang="en-US" dirty="0" smtClean="0">
-              <a:solidFill>
-                <a:schemeClr val="tx1"/>
-              </a:solidFill>
-            </a:endParaRPr>
-          </a:p>
-          <a:p>
-            <a:pPr algn="ctr"/>
-            <a:r>
-              <a:rPr lang="en-US" dirty="0" smtClean="0">
-                <a:solidFill>
-                  <a:schemeClr val="tx1"/>
-                </a:solidFill>
-              </a:rPr>
-              <a:t>Symbol</a:t>
-            </a:r>
-            <a:endParaRPr lang="en-US" dirty="0">
-              <a:solidFill>
-                <a:schemeClr val="tx1"/>
-              </a:solidFill>
-            </a:endParaRPr>
-          </a:p>
-        </p:txBody>
-      </p:sp>
-      <p:sp>
-        <p:nvSpPr>
-          <p:cNvPr id="6" name="Rechteck 5"/>
-          <p:cNvSpPr/>
-          <p:nvPr/>
-        </p:nvSpPr>
-        <p:spPr>
-          <a:xfrm>
-            <a:off x="5958764" y="4075866"/>
-            <a:ext cx="2062066" cy="578499"/>
-          </a:xfrm>
-          <a:prstGeom prst="rect">
-            <a:avLst/>
-          </a:prstGeom>
-          <a:solidFill>
-            <a:schemeClr val="bg1"/>
-          </a:solidFill>
-          <a:ln w="9525">
-            <a:solidFill>
-              <a:schemeClr val="tx1"/>
-            </a:solidFill>
-            <a:headEnd type="none" w="med" len="med"/>
-            <a:tailEnd type="arrow" w="med" len="med"/>
-          </a:ln>
-        </p:spPr>
-        <p:style>
-          <a:lnRef idx="2">
-            <a:schemeClr val="accent1">
-              <a:shade val="50000"/>
-            </a:schemeClr>
-          </a:lnRef>
-          <a:fillRef idx="1">
-            <a:schemeClr val="accent1"/>
-          </a:fillRef>
-          <a:effectRef idx="0">
-            <a:schemeClr val="accent1"/>
-          </a:effectRef>
-          <a:fontRef idx="minor">
-            <a:schemeClr val="lt1"/>
-          </a:fontRef>
-        </p:style>
-        <p:txBody>
-          <a:bodyPr rot="0" spcFirstLastPara="0" vertOverflow="overflow" horzOverflow="overflow" vert="horz" wrap="square" lIns="91440" tIns="45720" rIns="91440" bIns="45720" numCol="1" spcCol="0" rtlCol="0" fromWordArt="0" anchor="ctr" anchorCtr="0" forceAA="0" compatLnSpc="1">
-            <a:prstTxWarp prst="textNoShape">
-              <a:avLst/>
-            </a:prstTxWarp>
-            <a:noAutofit/>
-          </a:bodyPr>
-          <a:lstStyle/>
-          <a:p>
-            <a:pPr algn="ctr"/>
-            <a:r>
-              <a:rPr lang="en-US" dirty="0" err="1" smtClean="0">
-                <a:solidFill>
-                  <a:schemeClr val="tx1"/>
-                </a:solidFill>
-              </a:rPr>
-              <a:t>FeatureSymbol</a:t>
-            </a:r>
-            <a:endParaRPr lang="en-US" dirty="0">
-              <a:solidFill>
-                <a:schemeClr val="tx1"/>
-              </a:solidFill>
-            </a:endParaRPr>
-          </a:p>
-        </p:txBody>
-      </p:sp>
-      <p:sp>
-        <p:nvSpPr>
-          <p:cNvPr id="8" name="Rechteck 7"/>
-          <p:cNvSpPr/>
-          <p:nvPr/>
-        </p:nvSpPr>
-        <p:spPr>
-          <a:xfrm>
-            <a:off x="5972637" y="5294329"/>
-            <a:ext cx="2062066" cy="578499"/>
-          </a:xfrm>
-          <a:prstGeom prst="rect">
-            <a:avLst/>
-          </a:prstGeom>
-          <a:solidFill>
-            <a:schemeClr val="bg1"/>
-          </a:solidFill>
-          <a:ln w="9525">
-            <a:solidFill>
-              <a:schemeClr val="tx1"/>
-            </a:solidFill>
-            <a:headEnd type="none" w="med" len="med"/>
-            <a:tailEnd type="arrow" w="med" len="med"/>
-          </a:ln>
-        </p:spPr>
-        <p:style>
-          <a:lnRef idx="2">
-            <a:schemeClr val="accent1">
-              <a:shade val="50000"/>
-            </a:schemeClr>
-          </a:lnRef>
-          <a:fillRef idx="1">
-            <a:schemeClr val="accent1"/>
-          </a:fillRef>
-          <a:effectRef idx="0">
-            <a:schemeClr val="accent1"/>
-          </a:effectRef>
-          <a:fontRef idx="minor">
-            <a:schemeClr val="lt1"/>
-          </a:fontRef>
-        </p:style>
-        <p:txBody>
-          <a:bodyPr rot="0" spcFirstLastPara="0" vertOverflow="overflow" horzOverflow="overflow" vert="horz" wrap="square" lIns="91440" tIns="45720" rIns="91440" bIns="45720" numCol="1" spcCol="0" rtlCol="0" fromWordArt="0" anchor="ctr" anchorCtr="0" forceAA="0" compatLnSpc="1">
-            <a:prstTxWarp prst="textNoShape">
-              <a:avLst/>
-            </a:prstTxWarp>
-            <a:noAutofit/>
-          </a:bodyPr>
-          <a:lstStyle/>
-          <a:p>
-            <a:pPr algn="ctr"/>
-            <a:r>
-              <a:rPr lang="en-US" dirty="0" err="1" smtClean="0">
-                <a:solidFill>
-                  <a:schemeClr val="tx1"/>
-                </a:solidFill>
-              </a:rPr>
-              <a:t>FeatureDiagram</a:t>
-            </a:r>
-            <a:endParaRPr lang="en-US" dirty="0" smtClean="0">
-              <a:solidFill>
-                <a:schemeClr val="tx1"/>
-              </a:solidFill>
-            </a:endParaRPr>
-          </a:p>
-          <a:p>
-            <a:pPr algn="ctr"/>
-            <a:r>
-              <a:rPr lang="en-US" dirty="0" smtClean="0">
-                <a:solidFill>
-                  <a:schemeClr val="tx1"/>
-                </a:solidFill>
-              </a:rPr>
-              <a:t>Scope</a:t>
-            </a:r>
-            <a:endParaRPr lang="en-US" dirty="0">
-              <a:solidFill>
-                <a:schemeClr val="tx1"/>
-              </a:solidFill>
-            </a:endParaRPr>
-          </a:p>
-        </p:txBody>
-      </p:sp>
-      <p:cxnSp>
-        <p:nvCxnSpPr>
-          <p:cNvPr id="11" name="Gewinkelter Verbinder 10"/>
-          <p:cNvCxnSpPr>
-            <a:stCxn id="28" idx="6"/>
-            <a:endCxn id="8" idx="1"/>
-          </p:cNvCxnSpPr>
-          <p:nvPr/>
-        </p:nvCxnSpPr>
-        <p:spPr>
-          <a:xfrm>
-            <a:off x="5172265" y="5006349"/>
-            <a:ext cx="800372" cy="577230"/>
-          </a:xfrm>
-          <a:prstGeom prst="bentConnector3">
-            <a:avLst>
-              <a:gd name="adj1" fmla="val 50000"/>
-            </a:avLst>
-          </a:prstGeom>
-          <a:ln w="9525">
-            <a:solidFill>
-              <a:schemeClr val="tx1"/>
-            </a:solidFill>
-            <a:tailEnd type="triangle"/>
-          </a:ln>
-        </p:spPr>
-        <p:style>
-          <a:lnRef idx="1">
-            <a:schemeClr val="accent1"/>
-          </a:lnRef>
-          <a:fillRef idx="0">
-            <a:schemeClr val="accent1"/>
-          </a:fillRef>
-          <a:effectRef idx="0">
-            <a:schemeClr val="accent1"/>
-          </a:effectRef>
-          <a:fontRef idx="minor">
-            <a:schemeClr val="tx1"/>
-          </a:fontRef>
-        </p:style>
-      </p:cxnSp>
-      <p:cxnSp>
-        <p:nvCxnSpPr>
-          <p:cNvPr id="12" name="Gewinkelter Verbinder 11"/>
-          <p:cNvCxnSpPr>
-            <a:stCxn id="8" idx="0"/>
-            <a:endCxn id="6" idx="2"/>
-          </p:cNvCxnSpPr>
-          <p:nvPr/>
-        </p:nvCxnSpPr>
-        <p:spPr>
-          <a:xfrm rot="16200000" flipV="1">
-            <a:off x="6669816" y="4974346"/>
-            <a:ext cx="639964" cy="0"/>
-          </a:xfrm>
-          <a:prstGeom prst="bentConnector3">
-            <a:avLst>
-              <a:gd name="adj1" fmla="val 50000"/>
-            </a:avLst>
-          </a:prstGeom>
-          <a:ln w="9525">
-            <a:solidFill>
-              <a:schemeClr val="tx1"/>
-            </a:solidFill>
-            <a:tailEnd type="triangle"/>
-          </a:ln>
-        </p:spPr>
-        <p:style>
-          <a:lnRef idx="1">
-            <a:schemeClr val="accent1"/>
-          </a:lnRef>
-          <a:fillRef idx="0">
-            <a:schemeClr val="accent1"/>
-          </a:fillRef>
-          <a:effectRef idx="0">
-            <a:schemeClr val="accent1"/>
-          </a:effectRef>
-          <a:fontRef idx="minor">
-            <a:schemeClr val="tx1"/>
-          </a:fontRef>
-        </p:style>
-      </p:cxnSp>
-      <p:sp>
-        <p:nvSpPr>
-          <p:cNvPr id="55" name="Textfeld 54"/>
-          <p:cNvSpPr txBox="1"/>
-          <p:nvPr/>
-        </p:nvSpPr>
-        <p:spPr>
-          <a:xfrm>
-            <a:off x="8000948" y="4512599"/>
-            <a:ext cx="901209" cy="338554"/>
-          </a:xfrm>
-          <a:prstGeom prst="rect">
-            <a:avLst/>
-          </a:prstGeom>
-          <a:noFill/>
-        </p:spPr>
-        <p:txBody>
-          <a:bodyPr wrap="none" rtlCol="0">
-            <a:spAutoFit/>
-          </a:bodyPr>
-          <a:lstStyle/>
-          <a:p>
-            <a:r>
-              <a:rPr lang="en-US" sz="1600" dirty="0" smtClean="0"/>
-              <a:t>children</a:t>
-            </a:r>
-            <a:endParaRPr lang="en-US" sz="1600" dirty="0"/>
-          </a:p>
-        </p:txBody>
-      </p:sp>
-      <p:sp>
-        <p:nvSpPr>
-          <p:cNvPr id="56" name="Textfeld 55"/>
-          <p:cNvSpPr txBox="1"/>
-          <p:nvPr/>
-        </p:nvSpPr>
-        <p:spPr>
-          <a:xfrm>
-            <a:off x="5433707" y="4019502"/>
-            <a:ext cx="538930" cy="338554"/>
-          </a:xfrm>
-          <a:prstGeom prst="rect">
-            <a:avLst/>
-          </a:prstGeom>
-          <a:noFill/>
-        </p:spPr>
-        <p:txBody>
-          <a:bodyPr wrap="none" rtlCol="0">
-            <a:spAutoFit/>
-          </a:bodyPr>
-          <a:lstStyle/>
-          <a:p>
-            <a:r>
-              <a:rPr lang="en-US" sz="1600" dirty="0" smtClean="0"/>
-              <a:t>root</a:t>
-            </a:r>
-            <a:endParaRPr lang="en-US" sz="1600" dirty="0"/>
-          </a:p>
-        </p:txBody>
-      </p:sp>
-      <p:sp>
-        <p:nvSpPr>
-          <p:cNvPr id="57" name="Textfeld 56"/>
-          <p:cNvSpPr txBox="1"/>
-          <p:nvPr/>
-        </p:nvSpPr>
-        <p:spPr>
-          <a:xfrm>
-            <a:off x="4434817" y="5570523"/>
-            <a:ext cx="1550424" cy="338554"/>
-          </a:xfrm>
-          <a:prstGeom prst="rect">
-            <a:avLst/>
-          </a:prstGeom>
-          <a:noFill/>
-        </p:spPr>
-        <p:txBody>
-          <a:bodyPr wrap="none" rtlCol="0">
-            <a:spAutoFit/>
-          </a:bodyPr>
-          <a:lstStyle/>
-          <a:p>
-            <a:r>
-              <a:rPr lang="en-US" sz="1600" dirty="0" err="1" smtClean="0"/>
-              <a:t>spannedScope</a:t>
-            </a:r>
-            <a:endParaRPr lang="en-US" sz="1600" dirty="0"/>
-          </a:p>
-        </p:txBody>
-      </p:sp>
-      <p:sp>
-        <p:nvSpPr>
-          <p:cNvPr id="59" name="Textfeld 58"/>
-          <p:cNvSpPr txBox="1"/>
-          <p:nvPr/>
-        </p:nvSpPr>
-        <p:spPr>
-          <a:xfrm>
-            <a:off x="5685919" y="4336662"/>
-            <a:ext cx="298480" cy="338554"/>
-          </a:xfrm>
-          <a:prstGeom prst="rect">
-            <a:avLst/>
-          </a:prstGeom>
-          <a:noFill/>
-        </p:spPr>
-        <p:txBody>
-          <a:bodyPr wrap="none" rtlCol="0">
-            <a:spAutoFit/>
-          </a:bodyPr>
-          <a:lstStyle/>
-          <a:p>
-            <a:r>
-              <a:rPr lang="en-US" sz="1600" dirty="0" smtClean="0"/>
-              <a:t>1</a:t>
-            </a:r>
-            <a:endParaRPr lang="en-US" sz="1600" dirty="0"/>
-          </a:p>
-        </p:txBody>
-      </p:sp>
-      <p:sp>
-        <p:nvSpPr>
-          <p:cNvPr id="60" name="Textfeld 59"/>
-          <p:cNvSpPr txBox="1"/>
-          <p:nvPr/>
-        </p:nvSpPr>
-        <p:spPr>
-          <a:xfrm>
-            <a:off x="5695265" y="5268217"/>
-            <a:ext cx="298480" cy="338554"/>
-          </a:xfrm>
-          <a:prstGeom prst="rect">
-            <a:avLst/>
-          </a:prstGeom>
-          <a:noFill/>
-        </p:spPr>
-        <p:txBody>
-          <a:bodyPr wrap="none" rtlCol="0">
-            <a:spAutoFit/>
-          </a:bodyPr>
-          <a:lstStyle/>
-          <a:p>
-            <a:r>
-              <a:rPr lang="en-US" sz="1600" dirty="0" smtClean="0"/>
-              <a:t>1</a:t>
-            </a:r>
-            <a:endParaRPr lang="en-US" sz="1600" dirty="0"/>
-          </a:p>
-        </p:txBody>
-      </p:sp>
       <p:grpSp>
         <p:nvGrpSpPr>
-          <p:cNvPr id="18" name="Gruppieren 17"/>
+          <p:cNvPr id="14" name="Gruppieren 13"/>
           <p:cNvGrpSpPr/>
           <p:nvPr/>
         </p:nvGrpSpPr>
         <p:grpSpPr>
           <a:xfrm>
-            <a:off x="9105007" y="4082296"/>
-            <a:ext cx="2062066" cy="1790532"/>
-            <a:chOff x="7783445" y="4148731"/>
-            <a:chExt cx="2062066" cy="1790532"/>
+            <a:off x="179747" y="3748038"/>
+            <a:ext cx="10987326" cy="2161039"/>
+            <a:chOff x="179747" y="3748038"/>
+            <a:chExt cx="10987326" cy="2161039"/>
           </a:xfrm>
         </p:grpSpPr>
         <p:sp>
           <p:nvSpPr>
-            <p:cNvPr id="4" name="Rechteck 3"/>
+            <p:cNvPr id="28" name="Ellipse 27"/>
             <p:cNvSpPr/>
             <p:nvPr/>
           </p:nvSpPr>
           <p:spPr>
             <a:xfrm>
-              <a:off x="7783445" y="4148731"/>
+              <a:off x="4891751" y="4893785"/>
+              <a:ext cx="280514" cy="225128"/>
+            </a:xfrm>
+            <a:prstGeom prst="ellipse">
+              <a:avLst/>
+            </a:prstGeom>
+            <a:solidFill>
+              <a:schemeClr val="accent1"/>
+            </a:solidFill>
+            <a:ln>
+              <a:solidFill>
+                <a:schemeClr val="tx1"/>
+              </a:solidFill>
+              <a:headEnd type="none" w="med" len="med"/>
+              <a:tailEnd type="arrow" w="med" len="med"/>
+            </a:ln>
+          </p:spPr>
+          <p:style>
+            <a:lnRef idx="2">
+              <a:schemeClr val="accent1">
+                <a:shade val="50000"/>
+              </a:schemeClr>
+            </a:lnRef>
+            <a:fillRef idx="1">
+              <a:schemeClr val="accent1"/>
+            </a:fillRef>
+            <a:effectRef idx="0">
+              <a:schemeClr val="accent1"/>
+            </a:effectRef>
+            <a:fontRef idx="minor">
+              <a:schemeClr val="lt1"/>
+            </a:fontRef>
+          </p:style>
+          <p:txBody>
+            <a:bodyPr rot="0" spcFirstLastPara="0" vertOverflow="overflow" horzOverflow="overflow" vert="horz" wrap="square" lIns="91440" tIns="45720" rIns="91440" bIns="45720" numCol="1" spcCol="0" rtlCol="0" fromWordArt="0" anchor="ctr" anchorCtr="0" forceAA="0" compatLnSpc="1">
+              <a:prstTxWarp prst="textNoShape">
+                <a:avLst/>
+              </a:prstTxWarp>
+              <a:noAutofit/>
+            </a:bodyPr>
+            <a:lstStyle/>
+            <a:p>
+              <a:pPr algn="ctr"/>
+              <a:endParaRPr lang="en-US"/>
+            </a:p>
+          </p:txBody>
+        </p:sp>
+        <p:cxnSp>
+          <p:nvCxnSpPr>
+            <p:cNvPr id="22" name="Gewinkelter Verbinder 21"/>
+            <p:cNvCxnSpPr>
+              <a:stCxn id="5" idx="3"/>
+              <a:endCxn id="6" idx="1"/>
+            </p:cNvCxnSpPr>
+            <p:nvPr/>
+          </p:nvCxnSpPr>
+          <p:spPr>
+            <a:xfrm flipV="1">
+              <a:off x="5169317" y="4365116"/>
+              <a:ext cx="789447" cy="475756"/>
+            </a:xfrm>
+            <a:prstGeom prst="bentConnector3">
+              <a:avLst>
+                <a:gd name="adj1" fmla="val 50000"/>
+              </a:avLst>
+            </a:prstGeom>
+            <a:ln w="9525">
+              <a:solidFill>
+                <a:schemeClr val="tx1"/>
+              </a:solidFill>
+              <a:tailEnd type="triangle"/>
+            </a:ln>
+          </p:spPr>
+          <p:style>
+            <a:lnRef idx="1">
+              <a:schemeClr val="accent1"/>
+            </a:lnRef>
+            <a:fillRef idx="0">
+              <a:schemeClr val="accent1"/>
+            </a:fillRef>
+            <a:effectRef idx="0">
+              <a:schemeClr val="accent1"/>
+            </a:effectRef>
+            <a:fontRef idx="minor">
+              <a:schemeClr val="tx1"/>
+            </a:fontRef>
+          </p:style>
+        </p:cxnSp>
+        <p:sp>
+          <p:nvSpPr>
+            <p:cNvPr id="5" name="Rechteck 4"/>
+            <p:cNvSpPr/>
+            <p:nvPr/>
+          </p:nvSpPr>
+          <p:spPr>
+            <a:xfrm>
+              <a:off x="3107251" y="4551622"/>
               <a:ext cx="2062066" cy="578499"/>
             </a:xfrm>
             <a:prstGeom prst="rect">
@@ -7547,7 +7082,23 @@
                     <a:schemeClr val="tx1"/>
                   </a:solidFill>
                 </a:rPr>
-                <a:t>FeatureGroup</a:t>
+                <a:t>FeatureDiagram</a:t>
+              </a:r>
+              <a:endParaRPr lang="en-US" dirty="0" smtClean="0">
+                <a:solidFill>
+                  <a:schemeClr val="tx1"/>
+                </a:solidFill>
+              </a:endParaRPr>
+            </a:p>
+            <a:p>
+              <a:pPr algn="ctr"/>
+              <a:r>
+                <a:rPr lang="en-US" dirty="0" smtClean="0">
+                  <a:solidFill>
+                    <a:schemeClr val="tx1"/>
+                  </a:solidFill>
+                </a:rPr>
+                <a:t>Symbol</a:t>
               </a:r>
               <a:endParaRPr lang="en-US" dirty="0">
                 <a:solidFill>
@@ -7559,13 +7110,1046 @@
         </p:sp>
         <p:sp>
           <p:nvSpPr>
-            <p:cNvPr id="7" name="Rechteck 6"/>
+            <p:cNvPr id="6" name="Rechteck 5"/>
             <p:cNvSpPr/>
             <p:nvPr/>
           </p:nvSpPr>
           <p:spPr>
             <a:xfrm>
-              <a:off x="7783445" y="5015659"/>
+              <a:off x="5958764" y="4075866"/>
+              <a:ext cx="2062066" cy="578499"/>
+            </a:xfrm>
+            <a:prstGeom prst="rect">
+              <a:avLst/>
+            </a:prstGeom>
+            <a:solidFill>
+              <a:schemeClr val="bg1"/>
+            </a:solidFill>
+            <a:ln w="9525">
+              <a:solidFill>
+                <a:schemeClr val="tx1"/>
+              </a:solidFill>
+              <a:headEnd type="none" w="med" len="med"/>
+              <a:tailEnd type="arrow" w="med" len="med"/>
+            </a:ln>
+          </p:spPr>
+          <p:style>
+            <a:lnRef idx="2">
+              <a:schemeClr val="accent1">
+                <a:shade val="50000"/>
+              </a:schemeClr>
+            </a:lnRef>
+            <a:fillRef idx="1">
+              <a:schemeClr val="accent1"/>
+            </a:fillRef>
+            <a:effectRef idx="0">
+              <a:schemeClr val="accent1"/>
+            </a:effectRef>
+            <a:fontRef idx="minor">
+              <a:schemeClr val="lt1"/>
+            </a:fontRef>
+          </p:style>
+          <p:txBody>
+            <a:bodyPr rot="0" spcFirstLastPara="0" vertOverflow="overflow" horzOverflow="overflow" vert="horz" wrap="square" lIns="91440" tIns="45720" rIns="91440" bIns="45720" numCol="1" spcCol="0" rtlCol="0" fromWordArt="0" anchor="ctr" anchorCtr="0" forceAA="0" compatLnSpc="1">
+              <a:prstTxWarp prst="textNoShape">
+                <a:avLst/>
+              </a:prstTxWarp>
+              <a:noAutofit/>
+            </a:bodyPr>
+            <a:lstStyle/>
+            <a:p>
+              <a:pPr algn="ctr"/>
+              <a:r>
+                <a:rPr lang="en-US" dirty="0" err="1" smtClean="0">
+                  <a:solidFill>
+                    <a:schemeClr val="tx1"/>
+                  </a:solidFill>
+                </a:rPr>
+                <a:t>FeatureSymbol</a:t>
+              </a:r>
+              <a:endParaRPr lang="en-US" dirty="0">
+                <a:solidFill>
+                  <a:schemeClr val="tx1"/>
+                </a:solidFill>
+              </a:endParaRPr>
+            </a:p>
+          </p:txBody>
+        </p:sp>
+        <p:sp>
+          <p:nvSpPr>
+            <p:cNvPr id="8" name="Rechteck 7"/>
+            <p:cNvSpPr/>
+            <p:nvPr/>
+          </p:nvSpPr>
+          <p:spPr>
+            <a:xfrm>
+              <a:off x="5972637" y="5294329"/>
+              <a:ext cx="2062066" cy="578499"/>
+            </a:xfrm>
+            <a:prstGeom prst="rect">
+              <a:avLst/>
+            </a:prstGeom>
+            <a:solidFill>
+              <a:schemeClr val="bg1"/>
+            </a:solidFill>
+            <a:ln w="9525">
+              <a:solidFill>
+                <a:schemeClr val="tx1"/>
+              </a:solidFill>
+              <a:headEnd type="none" w="med" len="med"/>
+              <a:tailEnd type="arrow" w="med" len="med"/>
+            </a:ln>
+          </p:spPr>
+          <p:style>
+            <a:lnRef idx="2">
+              <a:schemeClr val="accent1">
+                <a:shade val="50000"/>
+              </a:schemeClr>
+            </a:lnRef>
+            <a:fillRef idx="1">
+              <a:schemeClr val="accent1"/>
+            </a:fillRef>
+            <a:effectRef idx="0">
+              <a:schemeClr val="accent1"/>
+            </a:effectRef>
+            <a:fontRef idx="minor">
+              <a:schemeClr val="lt1"/>
+            </a:fontRef>
+          </p:style>
+          <p:txBody>
+            <a:bodyPr rot="0" spcFirstLastPara="0" vertOverflow="overflow" horzOverflow="overflow" vert="horz" wrap="square" lIns="91440" tIns="45720" rIns="91440" bIns="45720" numCol="1" spcCol="0" rtlCol="0" fromWordArt="0" anchor="ctr" anchorCtr="0" forceAA="0" compatLnSpc="1">
+              <a:prstTxWarp prst="textNoShape">
+                <a:avLst/>
+              </a:prstTxWarp>
+              <a:noAutofit/>
+            </a:bodyPr>
+            <a:lstStyle/>
+            <a:p>
+              <a:pPr algn="ctr"/>
+              <a:r>
+                <a:rPr lang="en-US" dirty="0" err="1" smtClean="0">
+                  <a:solidFill>
+                    <a:schemeClr val="tx1"/>
+                  </a:solidFill>
+                </a:rPr>
+                <a:t>FeatureDiagram</a:t>
+              </a:r>
+              <a:endParaRPr lang="en-US" dirty="0" smtClean="0">
+                <a:solidFill>
+                  <a:schemeClr val="tx1"/>
+                </a:solidFill>
+              </a:endParaRPr>
+            </a:p>
+            <a:p>
+              <a:pPr algn="ctr"/>
+              <a:r>
+                <a:rPr lang="en-US" dirty="0" smtClean="0">
+                  <a:solidFill>
+                    <a:schemeClr val="tx1"/>
+                  </a:solidFill>
+                </a:rPr>
+                <a:t>Scope</a:t>
+              </a:r>
+              <a:endParaRPr lang="en-US" dirty="0">
+                <a:solidFill>
+                  <a:schemeClr val="tx1"/>
+                </a:solidFill>
+              </a:endParaRPr>
+            </a:p>
+          </p:txBody>
+        </p:sp>
+        <p:cxnSp>
+          <p:nvCxnSpPr>
+            <p:cNvPr id="11" name="Gewinkelter Verbinder 10"/>
+            <p:cNvCxnSpPr>
+              <a:stCxn id="28" idx="6"/>
+              <a:endCxn id="8" idx="1"/>
+            </p:cNvCxnSpPr>
+            <p:nvPr/>
+          </p:nvCxnSpPr>
+          <p:spPr>
+            <a:xfrm>
+              <a:off x="5172265" y="5006349"/>
+              <a:ext cx="800372" cy="577230"/>
+            </a:xfrm>
+            <a:prstGeom prst="bentConnector3">
+              <a:avLst>
+                <a:gd name="adj1" fmla="val 50000"/>
+              </a:avLst>
+            </a:prstGeom>
+            <a:ln w="9525">
+              <a:solidFill>
+                <a:schemeClr val="tx1"/>
+              </a:solidFill>
+              <a:tailEnd type="triangle"/>
+            </a:ln>
+          </p:spPr>
+          <p:style>
+            <a:lnRef idx="1">
+              <a:schemeClr val="accent1"/>
+            </a:lnRef>
+            <a:fillRef idx="0">
+              <a:schemeClr val="accent1"/>
+            </a:fillRef>
+            <a:effectRef idx="0">
+              <a:schemeClr val="accent1"/>
+            </a:effectRef>
+            <a:fontRef idx="minor">
+              <a:schemeClr val="tx1"/>
+            </a:fontRef>
+          </p:style>
+        </p:cxnSp>
+        <p:cxnSp>
+          <p:nvCxnSpPr>
+            <p:cNvPr id="12" name="Gewinkelter Verbinder 11"/>
+            <p:cNvCxnSpPr>
+              <a:stCxn id="8" idx="0"/>
+              <a:endCxn id="6" idx="2"/>
+            </p:cNvCxnSpPr>
+            <p:nvPr/>
+          </p:nvCxnSpPr>
+          <p:spPr>
+            <a:xfrm rot="16200000" flipV="1">
+              <a:off x="6669816" y="4974346"/>
+              <a:ext cx="639964" cy="0"/>
+            </a:xfrm>
+            <a:prstGeom prst="bentConnector3">
+              <a:avLst>
+                <a:gd name="adj1" fmla="val 50000"/>
+              </a:avLst>
+            </a:prstGeom>
+            <a:ln w="9525">
+              <a:solidFill>
+                <a:schemeClr val="tx1"/>
+              </a:solidFill>
+              <a:tailEnd type="triangle"/>
+            </a:ln>
+          </p:spPr>
+          <p:style>
+            <a:lnRef idx="1">
+              <a:schemeClr val="accent1"/>
+            </a:lnRef>
+            <a:fillRef idx="0">
+              <a:schemeClr val="accent1"/>
+            </a:fillRef>
+            <a:effectRef idx="0">
+              <a:schemeClr val="accent1"/>
+            </a:effectRef>
+            <a:fontRef idx="minor">
+              <a:schemeClr val="tx1"/>
+            </a:fontRef>
+          </p:style>
+        </p:cxnSp>
+        <p:sp>
+          <p:nvSpPr>
+            <p:cNvPr id="55" name="Textfeld 54"/>
+            <p:cNvSpPr txBox="1"/>
+            <p:nvPr/>
+          </p:nvSpPr>
+          <p:spPr>
+            <a:xfrm>
+              <a:off x="8000948" y="4512599"/>
+              <a:ext cx="901209" cy="338554"/>
+            </a:xfrm>
+            <a:prstGeom prst="rect">
+              <a:avLst/>
+            </a:prstGeom>
+            <a:noFill/>
+          </p:spPr>
+          <p:txBody>
+            <a:bodyPr wrap="none" rtlCol="0">
+              <a:spAutoFit/>
+            </a:bodyPr>
+            <a:lstStyle/>
+            <a:p>
+              <a:r>
+                <a:rPr lang="en-US" sz="1600" dirty="0" smtClean="0"/>
+                <a:t>children</a:t>
+              </a:r>
+              <a:endParaRPr lang="en-US" sz="1600" dirty="0"/>
+            </a:p>
+          </p:txBody>
+        </p:sp>
+        <p:sp>
+          <p:nvSpPr>
+            <p:cNvPr id="56" name="Textfeld 55"/>
+            <p:cNvSpPr txBox="1"/>
+            <p:nvPr/>
+          </p:nvSpPr>
+          <p:spPr>
+            <a:xfrm>
+              <a:off x="5433707" y="4019502"/>
+              <a:ext cx="538930" cy="338554"/>
+            </a:xfrm>
+            <a:prstGeom prst="rect">
+              <a:avLst/>
+            </a:prstGeom>
+            <a:noFill/>
+          </p:spPr>
+          <p:txBody>
+            <a:bodyPr wrap="none" rtlCol="0">
+              <a:spAutoFit/>
+            </a:bodyPr>
+            <a:lstStyle/>
+            <a:p>
+              <a:r>
+                <a:rPr lang="en-US" sz="1600" dirty="0" smtClean="0"/>
+                <a:t>root</a:t>
+              </a:r>
+              <a:endParaRPr lang="en-US" sz="1600" dirty="0"/>
+            </a:p>
+          </p:txBody>
+        </p:sp>
+        <p:sp>
+          <p:nvSpPr>
+            <p:cNvPr id="57" name="Textfeld 56"/>
+            <p:cNvSpPr txBox="1"/>
+            <p:nvPr/>
+          </p:nvSpPr>
+          <p:spPr>
+            <a:xfrm>
+              <a:off x="4434817" y="5570523"/>
+              <a:ext cx="1550424" cy="338554"/>
+            </a:xfrm>
+            <a:prstGeom prst="rect">
+              <a:avLst/>
+            </a:prstGeom>
+            <a:noFill/>
+          </p:spPr>
+          <p:txBody>
+            <a:bodyPr wrap="none" rtlCol="0">
+              <a:spAutoFit/>
+            </a:bodyPr>
+            <a:lstStyle/>
+            <a:p>
+              <a:r>
+                <a:rPr lang="en-US" sz="1600" dirty="0" err="1" smtClean="0"/>
+                <a:t>spannedScope</a:t>
+              </a:r>
+              <a:endParaRPr lang="en-US" sz="1600" dirty="0"/>
+            </a:p>
+          </p:txBody>
+        </p:sp>
+        <p:sp>
+          <p:nvSpPr>
+            <p:cNvPr id="59" name="Textfeld 58"/>
+            <p:cNvSpPr txBox="1"/>
+            <p:nvPr/>
+          </p:nvSpPr>
+          <p:spPr>
+            <a:xfrm>
+              <a:off x="5685919" y="4336662"/>
+              <a:ext cx="298480" cy="338554"/>
+            </a:xfrm>
+            <a:prstGeom prst="rect">
+              <a:avLst/>
+            </a:prstGeom>
+            <a:noFill/>
+          </p:spPr>
+          <p:txBody>
+            <a:bodyPr wrap="none" rtlCol="0">
+              <a:spAutoFit/>
+            </a:bodyPr>
+            <a:lstStyle/>
+            <a:p>
+              <a:r>
+                <a:rPr lang="en-US" sz="1600" dirty="0" smtClean="0"/>
+                <a:t>1</a:t>
+              </a:r>
+              <a:endParaRPr lang="en-US" sz="1600" dirty="0"/>
+            </a:p>
+          </p:txBody>
+        </p:sp>
+        <p:sp>
+          <p:nvSpPr>
+            <p:cNvPr id="60" name="Textfeld 59"/>
+            <p:cNvSpPr txBox="1"/>
+            <p:nvPr/>
+          </p:nvSpPr>
+          <p:spPr>
+            <a:xfrm>
+              <a:off x="5695265" y="5268217"/>
+              <a:ext cx="298480" cy="338554"/>
+            </a:xfrm>
+            <a:prstGeom prst="rect">
+              <a:avLst/>
+            </a:prstGeom>
+            <a:noFill/>
+          </p:spPr>
+          <p:txBody>
+            <a:bodyPr wrap="none" rtlCol="0">
+              <a:spAutoFit/>
+            </a:bodyPr>
+            <a:lstStyle/>
+            <a:p>
+              <a:r>
+                <a:rPr lang="en-US" sz="1600" dirty="0" smtClean="0"/>
+                <a:t>1</a:t>
+              </a:r>
+              <a:endParaRPr lang="en-US" sz="1600" dirty="0"/>
+            </a:p>
+          </p:txBody>
+        </p:sp>
+        <p:grpSp>
+          <p:nvGrpSpPr>
+            <p:cNvPr id="18" name="Gruppieren 17"/>
+            <p:cNvGrpSpPr/>
+            <p:nvPr/>
+          </p:nvGrpSpPr>
+          <p:grpSpPr>
+            <a:xfrm>
+              <a:off x="9105007" y="4082296"/>
+              <a:ext cx="2062066" cy="1790532"/>
+              <a:chOff x="7783445" y="4148731"/>
+              <a:chExt cx="2062066" cy="1790532"/>
+            </a:xfrm>
+          </p:grpSpPr>
+          <p:sp>
+            <p:nvSpPr>
+              <p:cNvPr id="4" name="Rechteck 3"/>
+              <p:cNvSpPr/>
+              <p:nvPr/>
+            </p:nvSpPr>
+            <p:spPr>
+              <a:xfrm>
+                <a:off x="7783445" y="4148731"/>
+                <a:ext cx="2062066" cy="578499"/>
+              </a:xfrm>
+              <a:prstGeom prst="rect">
+                <a:avLst/>
+              </a:prstGeom>
+              <a:solidFill>
+                <a:schemeClr val="bg1"/>
+              </a:solidFill>
+              <a:ln w="9525">
+                <a:solidFill>
+                  <a:schemeClr val="tx1"/>
+                </a:solidFill>
+                <a:headEnd type="none" w="med" len="med"/>
+                <a:tailEnd type="arrow" w="med" len="med"/>
+              </a:ln>
+            </p:spPr>
+            <p:style>
+              <a:lnRef idx="2">
+                <a:schemeClr val="accent1">
+                  <a:shade val="50000"/>
+                </a:schemeClr>
+              </a:lnRef>
+              <a:fillRef idx="1">
+                <a:schemeClr val="accent1"/>
+              </a:fillRef>
+              <a:effectRef idx="0">
+                <a:schemeClr val="accent1"/>
+              </a:effectRef>
+              <a:fontRef idx="minor">
+                <a:schemeClr val="lt1"/>
+              </a:fontRef>
+            </p:style>
+            <p:txBody>
+              <a:bodyPr rot="0" spcFirstLastPara="0" vertOverflow="overflow" horzOverflow="overflow" vert="horz" wrap="square" lIns="91440" tIns="45720" rIns="91440" bIns="45720" numCol="1" spcCol="0" rtlCol="0" fromWordArt="0" anchor="ctr" anchorCtr="0" forceAA="0" compatLnSpc="1">
+                <a:prstTxWarp prst="textNoShape">
+                  <a:avLst/>
+                </a:prstTxWarp>
+                <a:noAutofit/>
+              </a:bodyPr>
+              <a:lstStyle/>
+              <a:p>
+                <a:pPr algn="ctr"/>
+                <a:r>
+                  <a:rPr lang="en-US" dirty="0" err="1" smtClean="0">
+                    <a:solidFill>
+                      <a:schemeClr val="tx1"/>
+                    </a:solidFill>
+                  </a:rPr>
+                  <a:t>FeatureGroup</a:t>
+                </a:r>
+                <a:endParaRPr lang="en-US" dirty="0">
+                  <a:solidFill>
+                    <a:schemeClr val="tx1"/>
+                  </a:solidFill>
+                </a:endParaRPr>
+              </a:p>
+            </p:txBody>
+          </p:sp>
+          <p:sp>
+            <p:nvSpPr>
+              <p:cNvPr id="7" name="Rechteck 6"/>
+              <p:cNvSpPr/>
+              <p:nvPr/>
+            </p:nvSpPr>
+            <p:spPr>
+              <a:xfrm>
+                <a:off x="7783445" y="5015659"/>
+                <a:ext cx="2062066" cy="578499"/>
+              </a:xfrm>
+              <a:prstGeom prst="rect">
+                <a:avLst/>
+              </a:prstGeom>
+              <a:solidFill>
+                <a:schemeClr val="bg1"/>
+              </a:solidFill>
+              <a:ln w="9525">
+                <a:solidFill>
+                  <a:schemeClr val="tx1"/>
+                </a:solidFill>
+                <a:headEnd type="none" w="med" len="med"/>
+                <a:tailEnd type="arrow" w="med" len="med"/>
+              </a:ln>
+            </p:spPr>
+            <p:style>
+              <a:lnRef idx="2">
+                <a:schemeClr val="accent1">
+                  <a:shade val="50000"/>
+                </a:schemeClr>
+              </a:lnRef>
+              <a:fillRef idx="1">
+                <a:schemeClr val="accent1"/>
+              </a:fillRef>
+              <a:effectRef idx="0">
+                <a:schemeClr val="accent1"/>
+              </a:effectRef>
+              <a:fontRef idx="minor">
+                <a:schemeClr val="lt1"/>
+              </a:fontRef>
+            </p:style>
+            <p:txBody>
+              <a:bodyPr rot="0" spcFirstLastPara="0" vertOverflow="overflow" horzOverflow="overflow" vert="horz" wrap="square" lIns="91440" tIns="45720" rIns="91440" bIns="45720" numCol="1" spcCol="0" rtlCol="0" fromWordArt="0" anchor="ctr" anchorCtr="0" forceAA="0" compatLnSpc="1">
+                <a:prstTxWarp prst="textNoShape">
+                  <a:avLst/>
+                </a:prstTxWarp>
+                <a:noAutofit/>
+              </a:bodyPr>
+              <a:lstStyle/>
+              <a:p>
+                <a:pPr algn="ctr"/>
+                <a:r>
+                  <a:rPr lang="en-US" dirty="0" smtClean="0">
+                    <a:solidFill>
+                      <a:schemeClr val="tx1"/>
+                    </a:solidFill>
+                  </a:rPr>
+                  <a:t>«</a:t>
+                </a:r>
+                <a:r>
+                  <a:rPr lang="en-US" dirty="0" err="1" smtClean="0">
+                    <a:solidFill>
+                      <a:schemeClr val="tx1"/>
+                    </a:solidFill>
+                  </a:rPr>
+                  <a:t>enum</a:t>
+                </a:r>
+                <a:r>
+                  <a:rPr lang="en-US" dirty="0" smtClean="0">
+                    <a:solidFill>
+                      <a:schemeClr val="tx1"/>
+                    </a:solidFill>
+                  </a:rPr>
+                  <a:t>»</a:t>
+                </a:r>
+              </a:p>
+              <a:p>
+                <a:pPr algn="ctr"/>
+                <a:r>
+                  <a:rPr lang="en-US" dirty="0" err="1" smtClean="0">
+                    <a:solidFill>
+                      <a:schemeClr val="tx1"/>
+                    </a:solidFill>
+                  </a:rPr>
+                  <a:t>GroupKind</a:t>
+                </a:r>
+                <a:endParaRPr lang="en-US" dirty="0">
+                  <a:solidFill>
+                    <a:schemeClr val="tx1"/>
+                  </a:solidFill>
+                </a:endParaRPr>
+              </a:p>
+            </p:txBody>
+          </p:sp>
+          <p:sp>
+            <p:nvSpPr>
+              <p:cNvPr id="9" name="Rechteck 8"/>
+              <p:cNvSpPr/>
+              <p:nvPr/>
+            </p:nvSpPr>
+            <p:spPr>
+              <a:xfrm>
+                <a:off x="7783445" y="5594158"/>
+                <a:ext cx="2062066" cy="345105"/>
+              </a:xfrm>
+              <a:prstGeom prst="rect">
+                <a:avLst/>
+              </a:prstGeom>
+              <a:solidFill>
+                <a:schemeClr val="bg1"/>
+              </a:solidFill>
+              <a:ln w="9525">
+                <a:solidFill>
+                  <a:schemeClr val="tx1"/>
+                </a:solidFill>
+                <a:headEnd type="none" w="med" len="med"/>
+                <a:tailEnd type="arrow" w="med" len="med"/>
+              </a:ln>
+            </p:spPr>
+            <p:style>
+              <a:lnRef idx="2">
+                <a:schemeClr val="accent1">
+                  <a:shade val="50000"/>
+                </a:schemeClr>
+              </a:lnRef>
+              <a:fillRef idx="1">
+                <a:schemeClr val="accent1"/>
+              </a:fillRef>
+              <a:effectRef idx="0">
+                <a:schemeClr val="accent1"/>
+              </a:effectRef>
+              <a:fontRef idx="minor">
+                <a:schemeClr val="lt1"/>
+              </a:fontRef>
+            </p:style>
+            <p:txBody>
+              <a:bodyPr rot="0" spcFirstLastPara="0" vertOverflow="overflow" horzOverflow="overflow" vert="horz" wrap="square" lIns="91440" tIns="45720" rIns="91440" bIns="45720" numCol="1" spcCol="0" rtlCol="0" fromWordArt="0" anchor="ctr" anchorCtr="0" forceAA="0" compatLnSpc="1">
+                <a:prstTxWarp prst="textNoShape">
+                  <a:avLst/>
+                </a:prstTxWarp>
+                <a:noAutofit/>
+              </a:bodyPr>
+              <a:lstStyle/>
+              <a:p>
+                <a:r>
+                  <a:rPr lang="en-US" sz="1600" dirty="0" smtClean="0">
+                    <a:solidFill>
+                      <a:schemeClr val="tx1"/>
+                    </a:solidFill>
+                  </a:rPr>
+                  <a:t>OR,XOR,AND</a:t>
+                </a:r>
+                <a:endParaRPr lang="en-US" sz="1600" dirty="0">
+                  <a:solidFill>
+                    <a:schemeClr val="tx1"/>
+                  </a:solidFill>
+                </a:endParaRPr>
+              </a:p>
+            </p:txBody>
+          </p:sp>
+          <p:cxnSp>
+            <p:nvCxnSpPr>
+              <p:cNvPr id="33" name="Gewinkelter Verbinder 32"/>
+              <p:cNvCxnSpPr>
+                <a:stCxn id="4" idx="2"/>
+                <a:endCxn id="7" idx="0"/>
+              </p:cNvCxnSpPr>
+              <p:nvPr/>
+            </p:nvCxnSpPr>
+            <p:spPr>
+              <a:xfrm rot="5400000">
+                <a:off x="8676614" y="4877794"/>
+                <a:ext cx="288429" cy="0"/>
+              </a:xfrm>
+              <a:prstGeom prst="bentConnector3">
+                <a:avLst>
+                  <a:gd name="adj1" fmla="val 50000"/>
+                </a:avLst>
+              </a:prstGeom>
+              <a:ln w="9525">
+                <a:solidFill>
+                  <a:schemeClr val="tx1"/>
+                </a:solidFill>
+                <a:tailEnd type="triangle"/>
+              </a:ln>
+            </p:spPr>
+            <p:style>
+              <a:lnRef idx="1">
+                <a:schemeClr val="accent1"/>
+              </a:lnRef>
+              <a:fillRef idx="0">
+                <a:schemeClr val="accent1"/>
+              </a:fillRef>
+              <a:effectRef idx="0">
+                <a:schemeClr val="accent1"/>
+              </a:effectRef>
+              <a:fontRef idx="minor">
+                <a:schemeClr val="tx1"/>
+              </a:fontRef>
+            </p:style>
+          </p:cxnSp>
+          <p:sp>
+            <p:nvSpPr>
+              <p:cNvPr id="61" name="Textfeld 60"/>
+              <p:cNvSpPr txBox="1"/>
+              <p:nvPr/>
+            </p:nvSpPr>
+            <p:spPr>
+              <a:xfrm>
+                <a:off x="8794610" y="4741651"/>
+                <a:ext cx="298480" cy="338554"/>
+              </a:xfrm>
+              <a:prstGeom prst="rect">
+                <a:avLst/>
+              </a:prstGeom>
+              <a:noFill/>
+            </p:spPr>
+            <p:txBody>
+              <a:bodyPr wrap="none" rtlCol="0">
+                <a:spAutoFit/>
+              </a:bodyPr>
+              <a:lstStyle/>
+              <a:p>
+                <a:r>
+                  <a:rPr lang="en-US" sz="1600" dirty="0" smtClean="0"/>
+                  <a:t>1</a:t>
+                </a:r>
+                <a:endParaRPr lang="en-US" sz="1600" dirty="0"/>
+              </a:p>
+            </p:txBody>
+          </p:sp>
+        </p:grpSp>
+        <p:sp>
+          <p:nvSpPr>
+            <p:cNvPr id="64" name="Textfeld 63"/>
+            <p:cNvSpPr txBox="1"/>
+            <p:nvPr/>
+          </p:nvSpPr>
+          <p:spPr>
+            <a:xfrm>
+              <a:off x="6699850" y="4644438"/>
+              <a:ext cx="284052" cy="400110"/>
+            </a:xfrm>
+            <a:prstGeom prst="rect">
+              <a:avLst/>
+            </a:prstGeom>
+            <a:noFill/>
+          </p:spPr>
+          <p:txBody>
+            <a:bodyPr wrap="none" rtlCol="0">
+              <a:spAutoFit/>
+            </a:bodyPr>
+            <a:lstStyle/>
+            <a:p>
+              <a:r>
+                <a:rPr lang="en-US" sz="2000" dirty="0" smtClean="0"/>
+                <a:t>*</a:t>
+              </a:r>
+              <a:endParaRPr lang="en-US" sz="2000" dirty="0"/>
+            </a:p>
+          </p:txBody>
+        </p:sp>
+        <p:sp>
+          <p:nvSpPr>
+            <p:cNvPr id="85" name="AutoShape 40"/>
+            <p:cNvSpPr>
+              <a:spLocks noChangeArrowheads="1"/>
+            </p:cNvSpPr>
+            <p:nvPr/>
+          </p:nvSpPr>
+          <p:spPr bwMode="auto">
+            <a:xfrm flipV="1">
+              <a:off x="10580161" y="3748038"/>
+              <a:ext cx="586912" cy="249786"/>
+            </a:xfrm>
+            <a:prstGeom prst="foldedCorner">
+              <a:avLst>
+                <a:gd name="adj" fmla="val 27606"/>
+              </a:avLst>
+            </a:prstGeom>
+            <a:solidFill>
+              <a:schemeClr val="bg1"/>
+            </a:solidFill>
+            <a:ln w="9525">
+              <a:solidFill>
+                <a:schemeClr val="tx1"/>
+              </a:solidFill>
+              <a:round/>
+              <a:headEnd/>
+              <a:tailEnd/>
+            </a:ln>
+          </p:spPr>
+          <p:txBody>
+            <a:bodyPr rot="10800000" wrap="none" anchor="ctr" anchorCtr="1"/>
+            <a:lstStyle>
+              <a:defPPr>
+                <a:defRPr lang="de-DE"/>
+              </a:defPPr>
+              <a:lvl1pPr marL="0" algn="l" defTabSz="914400" rtl="0" eaLnBrk="1" latinLnBrk="0" hangingPunct="1">
+                <a:defRPr sz="1800" kern="1200">
+                  <a:solidFill>
+                    <a:schemeClr val="tx1"/>
+                  </a:solidFill>
+                  <a:latin typeface="+mn-lt"/>
+                  <a:ea typeface="+mn-ea"/>
+                  <a:cs typeface="+mn-cs"/>
+                </a:defRPr>
+              </a:lvl1pPr>
+              <a:lvl2pPr marL="457200" algn="l" defTabSz="914400" rtl="0" eaLnBrk="1" latinLnBrk="0" hangingPunct="1">
+                <a:defRPr sz="1800" kern="1200">
+                  <a:solidFill>
+                    <a:schemeClr val="tx1"/>
+                  </a:solidFill>
+                  <a:latin typeface="+mn-lt"/>
+                  <a:ea typeface="+mn-ea"/>
+                  <a:cs typeface="+mn-cs"/>
+                </a:defRPr>
+              </a:lvl2pPr>
+              <a:lvl3pPr marL="914400" algn="l" defTabSz="914400" rtl="0" eaLnBrk="1" latinLnBrk="0" hangingPunct="1">
+                <a:defRPr sz="1800" kern="1200">
+                  <a:solidFill>
+                    <a:schemeClr val="tx1"/>
+                  </a:solidFill>
+                  <a:latin typeface="+mn-lt"/>
+                  <a:ea typeface="+mn-ea"/>
+                  <a:cs typeface="+mn-cs"/>
+                </a:defRPr>
+              </a:lvl3pPr>
+              <a:lvl4pPr marL="1371600" algn="l" defTabSz="914400" rtl="0" eaLnBrk="1" latinLnBrk="0" hangingPunct="1">
+                <a:defRPr sz="1800" kern="1200">
+                  <a:solidFill>
+                    <a:schemeClr val="tx1"/>
+                  </a:solidFill>
+                  <a:latin typeface="+mn-lt"/>
+                  <a:ea typeface="+mn-ea"/>
+                  <a:cs typeface="+mn-cs"/>
+                </a:defRPr>
+              </a:lvl4pPr>
+              <a:lvl5pPr marL="1828800" algn="l" defTabSz="914400" rtl="0" eaLnBrk="1" latinLnBrk="0" hangingPunct="1">
+                <a:defRPr sz="1800" kern="1200">
+                  <a:solidFill>
+                    <a:schemeClr val="tx1"/>
+                  </a:solidFill>
+                  <a:latin typeface="+mn-lt"/>
+                  <a:ea typeface="+mn-ea"/>
+                  <a:cs typeface="+mn-cs"/>
+                </a:defRPr>
+              </a:lvl5pPr>
+              <a:lvl6pPr marL="2286000" algn="l" defTabSz="914400" rtl="0" eaLnBrk="1" latinLnBrk="0" hangingPunct="1">
+                <a:defRPr sz="1800" kern="1200">
+                  <a:solidFill>
+                    <a:schemeClr val="tx1"/>
+                  </a:solidFill>
+                  <a:latin typeface="+mn-lt"/>
+                  <a:ea typeface="+mn-ea"/>
+                  <a:cs typeface="+mn-cs"/>
+                </a:defRPr>
+              </a:lvl6pPr>
+              <a:lvl7pPr marL="2743200" algn="l" defTabSz="914400" rtl="0" eaLnBrk="1" latinLnBrk="0" hangingPunct="1">
+                <a:defRPr sz="1800" kern="1200">
+                  <a:solidFill>
+                    <a:schemeClr val="tx1"/>
+                  </a:solidFill>
+                  <a:latin typeface="+mn-lt"/>
+                  <a:ea typeface="+mn-ea"/>
+                  <a:cs typeface="+mn-cs"/>
+                </a:defRPr>
+              </a:lvl7pPr>
+              <a:lvl8pPr marL="3200400" algn="l" defTabSz="914400" rtl="0" eaLnBrk="1" latinLnBrk="0" hangingPunct="1">
+                <a:defRPr sz="1800" kern="1200">
+                  <a:solidFill>
+                    <a:schemeClr val="tx1"/>
+                  </a:solidFill>
+                  <a:latin typeface="+mn-lt"/>
+                  <a:ea typeface="+mn-ea"/>
+                  <a:cs typeface="+mn-cs"/>
+                </a:defRPr>
+              </a:lvl8pPr>
+              <a:lvl9pPr marL="3657600" algn="l" defTabSz="914400" rtl="0" eaLnBrk="1" latinLnBrk="0" hangingPunct="1">
+                <a:defRPr sz="1800" kern="1200">
+                  <a:solidFill>
+                    <a:schemeClr val="tx1"/>
+                  </a:solidFill>
+                  <a:latin typeface="+mn-lt"/>
+                  <a:ea typeface="+mn-ea"/>
+                  <a:cs typeface="+mn-cs"/>
+                </a:defRPr>
+              </a:lvl9pPr>
+            </a:lstStyle>
+            <a:p>
+              <a:pPr eaLnBrk="0" hangingPunct="0">
+                <a:lnSpc>
+                  <a:spcPct val="70000"/>
+                </a:lnSpc>
+              </a:pPr>
+              <a:r>
+                <a:rPr lang="en-US" altLang="de-DE" sz="1400" dirty="0" smtClean="0"/>
+                <a:t>CD</a:t>
+              </a:r>
+              <a:endParaRPr lang="en-US" altLang="de-DE" sz="1400" dirty="0"/>
+            </a:p>
+          </p:txBody>
+        </p:sp>
+        <p:grpSp>
+          <p:nvGrpSpPr>
+            <p:cNvPr id="10" name="Gruppieren 9"/>
+            <p:cNvGrpSpPr/>
+            <p:nvPr/>
+          </p:nvGrpSpPr>
+          <p:grpSpPr>
+            <a:xfrm rot="16200000">
+              <a:off x="8302642" y="3854190"/>
+              <a:ext cx="538608" cy="1103446"/>
+              <a:chOff x="5334234" y="4722709"/>
+              <a:chExt cx="538608" cy="621156"/>
+            </a:xfrm>
+          </p:grpSpPr>
+          <p:sp>
+            <p:nvSpPr>
+              <p:cNvPr id="62" name="Textfeld 61"/>
+              <p:cNvSpPr txBox="1"/>
+              <p:nvPr/>
+            </p:nvSpPr>
+            <p:spPr>
+              <a:xfrm rot="5400000">
+                <a:off x="5392263" y="4683872"/>
+                <a:ext cx="284052" cy="400110"/>
+              </a:xfrm>
+              <a:prstGeom prst="rect">
+                <a:avLst/>
+              </a:prstGeom>
+              <a:noFill/>
+            </p:spPr>
+            <p:txBody>
+              <a:bodyPr wrap="none" rtlCol="0">
+                <a:spAutoFit/>
+              </a:bodyPr>
+              <a:lstStyle/>
+              <a:p>
+                <a:r>
+                  <a:rPr lang="en-US" sz="2000" dirty="0" smtClean="0"/>
+                  <a:t>*</a:t>
+                </a:r>
+                <a:endParaRPr lang="en-US" sz="2000" dirty="0"/>
+              </a:p>
+            </p:txBody>
+          </p:sp>
+          <p:grpSp>
+            <p:nvGrpSpPr>
+              <p:cNvPr id="20" name="Gruppieren 19"/>
+              <p:cNvGrpSpPr/>
+              <p:nvPr/>
+            </p:nvGrpSpPr>
+            <p:grpSpPr>
+              <a:xfrm>
+                <a:off x="5478857" y="4722709"/>
+                <a:ext cx="371977" cy="606490"/>
+                <a:chOff x="5194905" y="4720604"/>
+                <a:chExt cx="371977" cy="606490"/>
+              </a:xfrm>
+            </p:grpSpPr>
+            <p:cxnSp>
+              <p:nvCxnSpPr>
+                <p:cNvPr id="15" name="Gewinkelter Verbinder 14"/>
+                <p:cNvCxnSpPr/>
+                <p:nvPr/>
+              </p:nvCxnSpPr>
+              <p:spPr>
+                <a:xfrm rot="16200000" flipV="1">
+                  <a:off x="4891661" y="5023848"/>
+                  <a:ext cx="606490" cy="1"/>
+                </a:xfrm>
+                <a:prstGeom prst="bentConnector3">
+                  <a:avLst>
+                    <a:gd name="adj1" fmla="val 50000"/>
+                  </a:avLst>
+                </a:prstGeom>
+                <a:ln w="9525">
+                  <a:solidFill>
+                    <a:schemeClr val="tx1"/>
+                  </a:solidFill>
+                  <a:tailEnd type="triangle"/>
+                </a:ln>
+              </p:spPr>
+              <p:style>
+                <a:lnRef idx="1">
+                  <a:schemeClr val="accent1"/>
+                </a:lnRef>
+                <a:fillRef idx="0">
+                  <a:schemeClr val="accent1"/>
+                </a:fillRef>
+                <a:effectRef idx="0">
+                  <a:schemeClr val="accent1"/>
+                </a:effectRef>
+                <a:fontRef idx="minor">
+                  <a:schemeClr val="tx1"/>
+                </a:fontRef>
+              </p:style>
+            </p:cxnSp>
+            <p:cxnSp>
+              <p:nvCxnSpPr>
+                <p:cNvPr id="38" name="Gewinkelter Verbinder 37"/>
+                <p:cNvCxnSpPr/>
+                <p:nvPr/>
+              </p:nvCxnSpPr>
+              <p:spPr>
+                <a:xfrm rot="16200000" flipV="1">
+                  <a:off x="5263637" y="5023848"/>
+                  <a:ext cx="606490" cy="1"/>
+                </a:xfrm>
+                <a:prstGeom prst="bentConnector3">
+                  <a:avLst>
+                    <a:gd name="adj1" fmla="val 50000"/>
+                  </a:avLst>
+                </a:prstGeom>
+                <a:ln w="9525">
+                  <a:solidFill>
+                    <a:schemeClr val="tx1"/>
+                  </a:solidFill>
+                  <a:headEnd type="triangle" w="med" len="med"/>
+                  <a:tailEnd type="none" w="med" len="med"/>
+                </a:ln>
+              </p:spPr>
+              <p:style>
+                <a:lnRef idx="1">
+                  <a:schemeClr val="accent1"/>
+                </a:lnRef>
+                <a:fillRef idx="0">
+                  <a:schemeClr val="accent1"/>
+                </a:fillRef>
+                <a:effectRef idx="0">
+                  <a:schemeClr val="accent1"/>
+                </a:effectRef>
+                <a:fontRef idx="minor">
+                  <a:schemeClr val="tx1"/>
+                </a:fontRef>
+              </p:style>
+            </p:cxnSp>
+          </p:grpSp>
+          <p:sp>
+            <p:nvSpPr>
+              <p:cNvPr id="39" name="Textfeld 38"/>
+              <p:cNvSpPr txBox="1"/>
+              <p:nvPr/>
+            </p:nvSpPr>
+            <p:spPr>
+              <a:xfrm rot="5400000">
+                <a:off x="5593571" y="5064594"/>
+                <a:ext cx="158432" cy="400110"/>
+              </a:xfrm>
+              <a:prstGeom prst="rect">
+                <a:avLst/>
+              </a:prstGeom>
+              <a:noFill/>
+            </p:spPr>
+            <p:txBody>
+              <a:bodyPr wrap="square" rtlCol="0">
+                <a:spAutoFit/>
+              </a:bodyPr>
+              <a:lstStyle/>
+              <a:p>
+                <a:r>
+                  <a:rPr lang="en-US" sz="2000" dirty="0" smtClean="0"/>
+                  <a:t>*</a:t>
+                </a:r>
+                <a:endParaRPr lang="en-US" sz="2000" dirty="0"/>
+              </a:p>
+            </p:txBody>
+          </p:sp>
+        </p:grpSp>
+        <p:sp>
+          <p:nvSpPr>
+            <p:cNvPr id="46" name="Rechteck 45"/>
+            <p:cNvSpPr/>
+            <p:nvPr/>
+          </p:nvSpPr>
+          <p:spPr>
+            <a:xfrm>
+              <a:off x="484547" y="4065206"/>
               <a:ext cx="2062066" cy="578499"/>
             </a:xfrm>
             <a:prstGeom prst="rect">
@@ -7614,34 +8198,18 @@
                     <a:schemeClr val="tx1"/>
                   </a:solidFill>
                 </a:rPr>
-                <a:t>«</a:t>
+                <a:t>«interface»</a:t>
               </a:r>
-              <a:r>
-                <a:rPr lang="en-US" dirty="0" err="1" smtClean="0">
-                  <a:solidFill>
-                    <a:schemeClr val="tx1"/>
-                  </a:solidFill>
-                </a:rPr>
-                <a:t>enum</a:t>
-              </a:r>
+            </a:p>
+            <a:p>
+              <a:pPr algn="ctr"/>
               <a:r>
                 <a:rPr lang="en-US" dirty="0" smtClean="0">
                   <a:solidFill>
                     <a:schemeClr val="tx1"/>
                   </a:solidFill>
                 </a:rPr>
-                <a:t>»</a:t>
-              </a:r>
-            </a:p>
-            <a:p>
-              <a:pPr algn="ctr"/>
-              <a:r>
-                <a:rPr lang="en-US" dirty="0" err="1" smtClean="0">
-                  <a:solidFill>
-                    <a:schemeClr val="tx1"/>
-                  </a:solidFill>
-                </a:rPr>
-                <a:t>GroupKind</a:t>
+                <a:t>Constraint</a:t>
               </a:r>
               <a:endParaRPr lang="en-US" dirty="0">
                 <a:solidFill>
@@ -7651,16 +8219,57 @@
             </a:p>
           </p:txBody>
         </p:sp>
+        <p:cxnSp>
+          <p:nvCxnSpPr>
+            <p:cNvPr id="49" name="Gewinkelter Verbinder 48"/>
+            <p:cNvCxnSpPr>
+              <a:stCxn id="5" idx="1"/>
+              <a:endCxn id="46" idx="3"/>
+            </p:cNvCxnSpPr>
+            <p:nvPr/>
+          </p:nvCxnSpPr>
+          <p:spPr>
+            <a:xfrm rot="10800000">
+              <a:off x="2546613" y="4354456"/>
+              <a:ext cx="560638" cy="486416"/>
+            </a:xfrm>
+            <a:prstGeom prst="bentConnector3">
+              <a:avLst>
+                <a:gd name="adj1" fmla="val 50000"/>
+              </a:avLst>
+            </a:prstGeom>
+            <a:ln w="9525">
+              <a:solidFill>
+                <a:schemeClr val="tx1"/>
+              </a:solidFill>
+              <a:tailEnd type="triangle"/>
+            </a:ln>
+          </p:spPr>
+          <p:style>
+            <a:lnRef idx="1">
+              <a:schemeClr val="accent1"/>
+            </a:lnRef>
+            <a:fillRef idx="0">
+              <a:schemeClr val="accent1"/>
+            </a:fillRef>
+            <a:effectRef idx="0">
+              <a:schemeClr val="accent1"/>
+            </a:effectRef>
+            <a:fontRef idx="minor">
+              <a:schemeClr val="tx1"/>
+            </a:fontRef>
+          </p:style>
+        </p:cxnSp>
         <p:sp>
           <p:nvSpPr>
-            <p:cNvPr id="9" name="Rechteck 8"/>
+            <p:cNvPr id="52" name="Rechteck 51"/>
             <p:cNvSpPr/>
             <p:nvPr/>
           </p:nvSpPr>
           <p:spPr>
             <a:xfrm>
-              <a:off x="7783445" y="5594158"/>
-              <a:ext cx="2062066" cy="345105"/>
+              <a:off x="179747" y="5317521"/>
+              <a:ext cx="1294490" cy="578499"/>
             </a:xfrm>
             <a:prstGeom prst="rect">
               <a:avLst/>
@@ -7701,15 +8310,16 @@
             </a:bodyPr>
             <a:lstStyle/>
             <a:p>
+              <a:pPr algn="ctr"/>
               <a:r>
-                <a:rPr lang="en-US" sz="1600" dirty="0" smtClean="0">
+                <a:rPr lang="en-US" dirty="0" smtClean="0">
                   <a:solidFill>
                     <a:schemeClr val="tx1"/>
                   </a:solidFill>
                 </a:rPr>
-                <a:t>OR,XOR,AND</a:t>
+                <a:t>Requires</a:t>
               </a:r>
-              <a:endParaRPr lang="en-US" sz="1600" dirty="0">
+              <a:endParaRPr lang="en-US" dirty="0">
                 <a:solidFill>
                   <a:schemeClr val="tx1"/>
                 </a:solidFill>
@@ -7717,272 +8327,82 @@
             </a:p>
           </p:txBody>
         </p:sp>
-        <p:cxnSp>
-          <p:nvCxnSpPr>
-            <p:cNvPr id="33" name="Gewinkelter Verbinder 32"/>
-            <p:cNvCxnSpPr>
-              <a:stCxn id="4" idx="2"/>
-              <a:endCxn id="7" idx="0"/>
-            </p:cNvCxnSpPr>
+        <p:sp>
+          <p:nvSpPr>
+            <p:cNvPr id="53" name="Rechteck 52"/>
+            <p:cNvSpPr/>
             <p:nvPr/>
-          </p:nvCxnSpPr>
+          </p:nvSpPr>
           <p:spPr>
-            <a:xfrm rot="5400000">
-              <a:off x="8676614" y="4877794"/>
-              <a:ext cx="288429" cy="0"/>
+            <a:xfrm>
+              <a:off x="1674899" y="5317668"/>
+              <a:ext cx="1294490" cy="578499"/>
             </a:xfrm>
-            <a:prstGeom prst="bentConnector3">
-              <a:avLst>
-                <a:gd name="adj1" fmla="val 50000"/>
-              </a:avLst>
+            <a:prstGeom prst="rect">
+              <a:avLst/>
             </a:prstGeom>
+            <a:solidFill>
+              <a:schemeClr val="bg1"/>
+            </a:solidFill>
             <a:ln w="9525">
               <a:solidFill>
                 <a:schemeClr val="tx1"/>
               </a:solidFill>
-              <a:tailEnd type="triangle"/>
+              <a:headEnd type="none" w="med" len="med"/>
+              <a:tailEnd type="arrow" w="med" len="med"/>
             </a:ln>
           </p:spPr>
           <p:style>
-            <a:lnRef idx="1">
-              <a:schemeClr val="accent1"/>
+            <a:lnRef idx="2">
+              <a:schemeClr val="accent1">
+                <a:shade val="50000"/>
+              </a:schemeClr>
             </a:lnRef>
-            <a:fillRef idx="0">
+            <a:fillRef idx="1">
               <a:schemeClr val="accent1"/>
             </a:fillRef>
             <a:effectRef idx="0">
               <a:schemeClr val="accent1"/>
             </a:effectRef>
             <a:fontRef idx="minor">
-              <a:schemeClr val="tx1"/>
+              <a:schemeClr val="lt1"/>
             </a:fontRef>
           </p:style>
-        </p:cxnSp>
+          <p:txBody>
+            <a:bodyPr rot="0" spcFirstLastPara="0" vertOverflow="overflow" horzOverflow="overflow" vert="horz" wrap="square" lIns="91440" tIns="45720" rIns="91440" bIns="45720" numCol="1" spcCol="0" rtlCol="0" fromWordArt="0" anchor="ctr" anchorCtr="0" forceAA="0" compatLnSpc="1">
+              <a:prstTxWarp prst="textNoShape">
+                <a:avLst/>
+              </a:prstTxWarp>
+              <a:noAutofit/>
+            </a:bodyPr>
+            <a:lstStyle/>
+            <a:p>
+              <a:pPr algn="ctr"/>
+              <a:r>
+                <a:rPr lang="en-US" dirty="0" smtClean="0">
+                  <a:solidFill>
+                    <a:schemeClr val="tx1"/>
+                  </a:solidFill>
+                </a:rPr>
+                <a:t>Excludes</a:t>
+              </a:r>
+              <a:endParaRPr lang="en-US" dirty="0">
+                <a:solidFill>
+                  <a:schemeClr val="tx1"/>
+                </a:solidFill>
+              </a:endParaRPr>
+            </a:p>
+          </p:txBody>
+        </p:sp>
         <p:sp>
           <p:nvSpPr>
-            <p:cNvPr id="61" name="Textfeld 60"/>
+            <p:cNvPr id="34" name="Textfeld 33"/>
             <p:cNvSpPr txBox="1"/>
             <p:nvPr/>
           </p:nvSpPr>
           <p:spPr>
             <a:xfrm>
-              <a:off x="8794610" y="4741651"/>
-              <a:ext cx="298480" cy="338554"/>
-            </a:xfrm>
-            <a:prstGeom prst="rect">
-              <a:avLst/>
-            </a:prstGeom>
-            <a:noFill/>
-          </p:spPr>
-          <p:txBody>
-            <a:bodyPr wrap="none" rtlCol="0">
-              <a:spAutoFit/>
-            </a:bodyPr>
-            <a:lstStyle/>
-            <a:p>
-              <a:r>
-                <a:rPr lang="en-US" sz="1600" dirty="0" smtClean="0"/>
-                <a:t>1</a:t>
-              </a:r>
-              <a:endParaRPr lang="en-US" sz="1600" dirty="0"/>
-            </a:p>
-          </p:txBody>
-        </p:sp>
-      </p:grpSp>
-      <p:sp>
-        <p:nvSpPr>
-          <p:cNvPr id="64" name="Textfeld 63"/>
-          <p:cNvSpPr txBox="1"/>
-          <p:nvPr/>
-        </p:nvSpPr>
-        <p:spPr>
-          <a:xfrm>
-            <a:off x="6699850" y="4644438"/>
-            <a:ext cx="284052" cy="400110"/>
-          </a:xfrm>
-          <a:prstGeom prst="rect">
-            <a:avLst/>
-          </a:prstGeom>
-          <a:noFill/>
-        </p:spPr>
-        <p:txBody>
-          <a:bodyPr wrap="none" rtlCol="0">
-            <a:spAutoFit/>
-          </a:bodyPr>
-          <a:lstStyle/>
-          <a:p>
-            <a:r>
-              <a:rPr lang="en-US" sz="2000" dirty="0" smtClean="0"/>
-              <a:t>*</a:t>
-            </a:r>
-            <a:endParaRPr lang="en-US" sz="2000" dirty="0"/>
-          </a:p>
-        </p:txBody>
-      </p:sp>
-      <p:sp>
-        <p:nvSpPr>
-          <p:cNvPr id="85" name="AutoShape 40"/>
-          <p:cNvSpPr>
-            <a:spLocks noChangeArrowheads="1"/>
-          </p:cNvSpPr>
-          <p:nvPr/>
-        </p:nvSpPr>
-        <p:spPr bwMode="auto">
-          <a:xfrm flipV="1">
-            <a:off x="10580161" y="3748038"/>
-            <a:ext cx="586912" cy="249786"/>
-          </a:xfrm>
-          <a:prstGeom prst="foldedCorner">
-            <a:avLst>
-              <a:gd name="adj" fmla="val 27606"/>
-            </a:avLst>
-          </a:prstGeom>
-          <a:solidFill>
-            <a:schemeClr val="bg1"/>
-          </a:solidFill>
-          <a:ln w="9525">
-            <a:solidFill>
-              <a:schemeClr val="tx1"/>
-            </a:solidFill>
-            <a:round/>
-            <a:headEnd/>
-            <a:tailEnd/>
-          </a:ln>
-        </p:spPr>
-        <p:txBody>
-          <a:bodyPr rot="10800000" wrap="none" anchor="ctr" anchorCtr="1"/>
-          <a:lstStyle>
-            <a:defPPr>
-              <a:defRPr lang="de-DE"/>
-            </a:defPPr>
-            <a:lvl1pPr marL="0" algn="l" defTabSz="914400" rtl="0" eaLnBrk="1" latinLnBrk="0" hangingPunct="1">
-              <a:defRPr sz="1800" kern="1200">
-                <a:solidFill>
-                  <a:schemeClr val="tx1"/>
-                </a:solidFill>
-                <a:latin typeface="+mn-lt"/>
-                <a:ea typeface="+mn-ea"/>
-                <a:cs typeface="+mn-cs"/>
-              </a:defRPr>
-            </a:lvl1pPr>
-            <a:lvl2pPr marL="457200" algn="l" defTabSz="914400" rtl="0" eaLnBrk="1" latinLnBrk="0" hangingPunct="1">
-              <a:defRPr sz="1800" kern="1200">
-                <a:solidFill>
-                  <a:schemeClr val="tx1"/>
-                </a:solidFill>
-                <a:latin typeface="+mn-lt"/>
-                <a:ea typeface="+mn-ea"/>
-                <a:cs typeface="+mn-cs"/>
-              </a:defRPr>
-            </a:lvl2pPr>
-            <a:lvl3pPr marL="914400" algn="l" defTabSz="914400" rtl="0" eaLnBrk="1" latinLnBrk="0" hangingPunct="1">
-              <a:defRPr sz="1800" kern="1200">
-                <a:solidFill>
-                  <a:schemeClr val="tx1"/>
-                </a:solidFill>
-                <a:latin typeface="+mn-lt"/>
-                <a:ea typeface="+mn-ea"/>
-                <a:cs typeface="+mn-cs"/>
-              </a:defRPr>
-            </a:lvl3pPr>
-            <a:lvl4pPr marL="1371600" algn="l" defTabSz="914400" rtl="0" eaLnBrk="1" latinLnBrk="0" hangingPunct="1">
-              <a:defRPr sz="1800" kern="1200">
-                <a:solidFill>
-                  <a:schemeClr val="tx1"/>
-                </a:solidFill>
-                <a:latin typeface="+mn-lt"/>
-                <a:ea typeface="+mn-ea"/>
-                <a:cs typeface="+mn-cs"/>
-              </a:defRPr>
-            </a:lvl4pPr>
-            <a:lvl5pPr marL="1828800" algn="l" defTabSz="914400" rtl="0" eaLnBrk="1" latinLnBrk="0" hangingPunct="1">
-              <a:defRPr sz="1800" kern="1200">
-                <a:solidFill>
-                  <a:schemeClr val="tx1"/>
-                </a:solidFill>
-                <a:latin typeface="+mn-lt"/>
-                <a:ea typeface="+mn-ea"/>
-                <a:cs typeface="+mn-cs"/>
-              </a:defRPr>
-            </a:lvl5pPr>
-            <a:lvl6pPr marL="2286000" algn="l" defTabSz="914400" rtl="0" eaLnBrk="1" latinLnBrk="0" hangingPunct="1">
-              <a:defRPr sz="1800" kern="1200">
-                <a:solidFill>
-                  <a:schemeClr val="tx1"/>
-                </a:solidFill>
-                <a:latin typeface="+mn-lt"/>
-                <a:ea typeface="+mn-ea"/>
-                <a:cs typeface="+mn-cs"/>
-              </a:defRPr>
-            </a:lvl6pPr>
-            <a:lvl7pPr marL="2743200" algn="l" defTabSz="914400" rtl="0" eaLnBrk="1" latinLnBrk="0" hangingPunct="1">
-              <a:defRPr sz="1800" kern="1200">
-                <a:solidFill>
-                  <a:schemeClr val="tx1"/>
-                </a:solidFill>
-                <a:latin typeface="+mn-lt"/>
-                <a:ea typeface="+mn-ea"/>
-                <a:cs typeface="+mn-cs"/>
-              </a:defRPr>
-            </a:lvl7pPr>
-            <a:lvl8pPr marL="3200400" algn="l" defTabSz="914400" rtl="0" eaLnBrk="1" latinLnBrk="0" hangingPunct="1">
-              <a:defRPr sz="1800" kern="1200">
-                <a:solidFill>
-                  <a:schemeClr val="tx1"/>
-                </a:solidFill>
-                <a:latin typeface="+mn-lt"/>
-                <a:ea typeface="+mn-ea"/>
-                <a:cs typeface="+mn-cs"/>
-              </a:defRPr>
-            </a:lvl8pPr>
-            <a:lvl9pPr marL="3657600" algn="l" defTabSz="914400" rtl="0" eaLnBrk="1" latinLnBrk="0" hangingPunct="1">
-              <a:defRPr sz="1800" kern="1200">
-                <a:solidFill>
-                  <a:schemeClr val="tx1"/>
-                </a:solidFill>
-                <a:latin typeface="+mn-lt"/>
-                <a:ea typeface="+mn-ea"/>
-                <a:cs typeface="+mn-cs"/>
-              </a:defRPr>
-            </a:lvl9pPr>
-          </a:lstStyle>
-          <a:p>
-            <a:pPr eaLnBrk="0" hangingPunct="0">
-              <a:lnSpc>
-                <a:spcPct val="70000"/>
-              </a:lnSpc>
-            </a:pPr>
-            <a:r>
-              <a:rPr lang="en-US" altLang="de-DE" sz="1400" dirty="0" smtClean="0"/>
-              <a:t>CD</a:t>
-            </a:r>
-            <a:endParaRPr lang="en-US" altLang="de-DE" sz="1400" dirty="0"/>
-          </a:p>
-        </p:txBody>
-      </p:sp>
-      <p:grpSp>
-        <p:nvGrpSpPr>
-          <p:cNvPr id="10" name="Gruppieren 9"/>
-          <p:cNvGrpSpPr/>
-          <p:nvPr/>
-        </p:nvGrpSpPr>
-        <p:grpSpPr>
-          <a:xfrm rot="16200000">
-            <a:off x="8302642" y="3854190"/>
-            <a:ext cx="538608" cy="1103446"/>
-            <a:chOff x="5334234" y="4722709"/>
-            <a:chExt cx="538608" cy="621156"/>
-          </a:xfrm>
-        </p:grpSpPr>
-        <p:sp>
-          <p:nvSpPr>
-            <p:cNvPr id="62" name="Textfeld 61"/>
-            <p:cNvSpPr txBox="1"/>
-            <p:nvPr/>
-          </p:nvSpPr>
-          <p:spPr>
-            <a:xfrm rot="5400000">
-              <a:off x="5392263" y="4683872"/>
+              <a:off x="2528497" y="4065206"/>
               <a:ext cx="284052" cy="400110"/>
             </a:xfrm>
             <a:prstGeom prst="rect">
@@ -8004,549 +8424,144 @@
             </a:p>
           </p:txBody>
         </p:sp>
-        <p:grpSp>
-          <p:nvGrpSpPr>
-            <p:cNvPr id="20" name="Gruppieren 19"/>
-            <p:cNvGrpSpPr/>
-            <p:nvPr/>
-          </p:nvGrpSpPr>
-          <p:grpSpPr>
-            <a:xfrm>
-              <a:off x="5478857" y="4722709"/>
-              <a:ext cx="371977" cy="606490"/>
-              <a:chOff x="5194905" y="4720604"/>
-              <a:chExt cx="371977" cy="606490"/>
-            </a:xfrm>
-          </p:grpSpPr>
-          <p:cxnSp>
-            <p:nvCxnSpPr>
-              <p:cNvPr id="15" name="Gewinkelter Verbinder 14"/>
-              <p:cNvCxnSpPr/>
-              <p:nvPr/>
-            </p:nvCxnSpPr>
-            <p:spPr>
-              <a:xfrm rot="16200000" flipV="1">
-                <a:off x="4891661" y="5023848"/>
-                <a:ext cx="606490" cy="1"/>
-              </a:xfrm>
-              <a:prstGeom prst="bentConnector3">
-                <a:avLst>
-                  <a:gd name="adj1" fmla="val 50000"/>
-                </a:avLst>
-              </a:prstGeom>
-              <a:ln w="9525">
-                <a:solidFill>
-                  <a:schemeClr val="tx1"/>
-                </a:solidFill>
-                <a:tailEnd type="triangle"/>
-              </a:ln>
-            </p:spPr>
-            <p:style>
-              <a:lnRef idx="1">
-                <a:schemeClr val="accent1"/>
-              </a:lnRef>
-              <a:fillRef idx="0">
-                <a:schemeClr val="accent1"/>
-              </a:fillRef>
-              <a:effectRef idx="0">
-                <a:schemeClr val="accent1"/>
-              </a:effectRef>
-              <a:fontRef idx="minor">
-                <a:schemeClr val="tx1"/>
-              </a:fontRef>
-            </p:style>
-          </p:cxnSp>
-          <p:cxnSp>
-            <p:nvCxnSpPr>
-              <p:cNvPr id="38" name="Gewinkelter Verbinder 37"/>
-              <p:cNvCxnSpPr/>
-              <p:nvPr/>
-            </p:nvCxnSpPr>
-            <p:spPr>
-              <a:xfrm rot="16200000" flipV="1">
-                <a:off x="5263637" y="5023848"/>
-                <a:ext cx="606490" cy="1"/>
-              </a:xfrm>
-              <a:prstGeom prst="bentConnector3">
-                <a:avLst>
-                  <a:gd name="adj1" fmla="val 50000"/>
-                </a:avLst>
-              </a:prstGeom>
-              <a:ln w="9525">
-                <a:solidFill>
-                  <a:schemeClr val="tx1"/>
-                </a:solidFill>
-                <a:headEnd type="triangle" w="med" len="med"/>
-                <a:tailEnd type="none" w="med" len="med"/>
-              </a:ln>
-            </p:spPr>
-            <p:style>
-              <a:lnRef idx="1">
-                <a:schemeClr val="accent1"/>
-              </a:lnRef>
-              <a:fillRef idx="0">
-                <a:schemeClr val="accent1"/>
-              </a:fillRef>
-              <a:effectRef idx="0">
-                <a:schemeClr val="accent1"/>
-              </a:effectRef>
-              <a:fontRef idx="minor">
-                <a:schemeClr val="tx1"/>
-              </a:fontRef>
-            </p:style>
-          </p:cxnSp>
-        </p:grpSp>
         <p:sp>
           <p:nvSpPr>
-            <p:cNvPr id="39" name="Textfeld 38"/>
-            <p:cNvSpPr txBox="1"/>
+            <p:cNvPr id="13" name="Gleichschenkliges Dreieck 12"/>
+            <p:cNvSpPr/>
             <p:nvPr/>
           </p:nvSpPr>
           <p:spPr>
-            <a:xfrm rot="5400000">
-              <a:off x="5593571" y="5064594"/>
-              <a:ext cx="158432" cy="400110"/>
+            <a:xfrm>
+              <a:off x="1344648" y="4654363"/>
+              <a:ext cx="354563" cy="305519"/>
             </a:xfrm>
-            <a:prstGeom prst="rect">
+            <a:prstGeom prst="triangle">
               <a:avLst/>
             </a:prstGeom>
             <a:noFill/>
+            <a:ln>
+              <a:solidFill>
+                <a:schemeClr val="tx1"/>
+              </a:solidFill>
+              <a:headEnd type="none" w="med" len="med"/>
+              <a:tailEnd type="arrow" w="med" len="med"/>
+            </a:ln>
           </p:spPr>
+          <p:style>
+            <a:lnRef idx="2">
+              <a:schemeClr val="accent1">
+                <a:shade val="50000"/>
+              </a:schemeClr>
+            </a:lnRef>
+            <a:fillRef idx="1">
+              <a:schemeClr val="accent1"/>
+            </a:fillRef>
+            <a:effectRef idx="0">
+              <a:schemeClr val="accent1"/>
+            </a:effectRef>
+            <a:fontRef idx="minor">
+              <a:schemeClr val="lt1"/>
+            </a:fontRef>
+          </p:style>
           <p:txBody>
-            <a:bodyPr wrap="square" rtlCol="0">
-              <a:spAutoFit/>
+            <a:bodyPr rot="0" spcFirstLastPara="0" vertOverflow="overflow" horzOverflow="overflow" vert="horz" wrap="square" lIns="91440" tIns="45720" rIns="91440" bIns="45720" numCol="1" spcCol="0" rtlCol="0" fromWordArt="0" anchor="ctr" anchorCtr="0" forceAA="0" compatLnSpc="1">
+              <a:prstTxWarp prst="textNoShape">
+                <a:avLst/>
+              </a:prstTxWarp>
+              <a:noAutofit/>
             </a:bodyPr>
             <a:lstStyle/>
             <a:p>
-              <a:r>
-                <a:rPr lang="en-US" sz="2000" dirty="0" smtClean="0"/>
-                <a:t>*</a:t>
-              </a:r>
-              <a:endParaRPr lang="en-US" sz="2000" dirty="0"/>
+              <a:pPr algn="ctr"/>
+              <a:endParaRPr lang="en-US"/>
             </a:p>
           </p:txBody>
         </p:sp>
-      </p:grpSp>
-      <p:sp>
-        <p:nvSpPr>
-          <p:cNvPr id="46" name="Rechteck 45"/>
-          <p:cNvSpPr/>
-          <p:nvPr/>
-        </p:nvSpPr>
-        <p:spPr>
-          <a:xfrm>
-            <a:off x="484547" y="4065206"/>
-            <a:ext cx="2062066" cy="578499"/>
-          </a:xfrm>
-          <a:prstGeom prst="rect">
-            <a:avLst/>
-          </a:prstGeom>
-          <a:solidFill>
-            <a:schemeClr val="bg1"/>
-          </a:solidFill>
-          <a:ln w="9525">
-            <a:solidFill>
-              <a:schemeClr val="tx1"/>
-            </a:solidFill>
-            <a:headEnd type="none" w="med" len="med"/>
-            <a:tailEnd type="arrow" w="med" len="med"/>
-          </a:ln>
-        </p:spPr>
-        <p:style>
-          <a:lnRef idx="2">
-            <a:schemeClr val="accent1">
-              <a:shade val="50000"/>
-            </a:schemeClr>
-          </a:lnRef>
-          <a:fillRef idx="1">
-            <a:schemeClr val="accent1"/>
-          </a:fillRef>
-          <a:effectRef idx="0">
-            <a:schemeClr val="accent1"/>
-          </a:effectRef>
-          <a:fontRef idx="minor">
-            <a:schemeClr val="lt1"/>
-          </a:fontRef>
-        </p:style>
-        <p:txBody>
-          <a:bodyPr rot="0" spcFirstLastPara="0" vertOverflow="overflow" horzOverflow="overflow" vert="horz" wrap="square" lIns="91440" tIns="45720" rIns="91440" bIns="45720" numCol="1" spcCol="0" rtlCol="0" fromWordArt="0" anchor="ctr" anchorCtr="0" forceAA="0" compatLnSpc="1">
-            <a:prstTxWarp prst="textNoShape">
-              <a:avLst/>
-            </a:prstTxWarp>
-            <a:noAutofit/>
-          </a:bodyPr>
-          <a:lstStyle/>
-          <a:p>
-            <a:pPr algn="ctr"/>
-            <a:r>
-              <a:rPr lang="en-US" dirty="0" smtClean="0">
-                <a:solidFill>
-                  <a:schemeClr val="tx1"/>
-                </a:solidFill>
-              </a:rPr>
-              <a:t>«interface»</a:t>
-            </a:r>
-          </a:p>
-          <a:p>
-            <a:pPr algn="ctr"/>
-            <a:r>
-              <a:rPr lang="en-US" dirty="0" smtClean="0">
-                <a:solidFill>
-                  <a:schemeClr val="tx1"/>
-                </a:solidFill>
-              </a:rPr>
-              <a:t>Constraint</a:t>
-            </a:r>
-            <a:endParaRPr lang="en-US" dirty="0">
+        <p:cxnSp>
+          <p:nvCxnSpPr>
+            <p:cNvPr id="37" name="Gewinkelter Verbinder 36"/>
+            <p:cNvCxnSpPr>
+              <a:stCxn id="53" idx="0"/>
+              <a:endCxn id="13" idx="3"/>
+            </p:cNvCxnSpPr>
+            <p:nvPr/>
+          </p:nvCxnSpPr>
+          <p:spPr>
+            <a:xfrm rot="16200000" flipV="1">
+              <a:off x="1743144" y="4738668"/>
+              <a:ext cx="357786" cy="800214"/>
+            </a:xfrm>
+            <a:prstGeom prst="bentConnector3">
+              <a:avLst>
+                <a:gd name="adj1" fmla="val 50000"/>
+              </a:avLst>
+            </a:prstGeom>
+            <a:ln w="9525">
               <a:solidFill>
                 <a:schemeClr val="tx1"/>
               </a:solidFill>
-            </a:endParaRPr>
-          </a:p>
-        </p:txBody>
-      </p:sp>
-      <p:cxnSp>
-        <p:nvCxnSpPr>
-          <p:cNvPr id="49" name="Gewinkelter Verbinder 48"/>
-          <p:cNvCxnSpPr>
-            <a:stCxn id="5" idx="1"/>
-            <a:endCxn id="46" idx="3"/>
-          </p:cNvCxnSpPr>
-          <p:nvPr/>
-        </p:nvCxnSpPr>
-        <p:spPr>
-          <a:xfrm rot="10800000">
-            <a:off x="2546613" y="4354456"/>
-            <a:ext cx="560638" cy="486416"/>
-          </a:xfrm>
-          <a:prstGeom prst="bentConnector3">
-            <a:avLst>
-              <a:gd name="adj1" fmla="val 50000"/>
-            </a:avLst>
-          </a:prstGeom>
-          <a:ln w="9525">
-            <a:solidFill>
+              <a:headEnd type="none" w="med" len="med"/>
+              <a:tailEnd type="none" w="med" len="med"/>
+            </a:ln>
+          </p:spPr>
+          <p:style>
+            <a:lnRef idx="1">
+              <a:schemeClr val="accent1"/>
+            </a:lnRef>
+            <a:fillRef idx="0">
+              <a:schemeClr val="accent1"/>
+            </a:fillRef>
+            <a:effectRef idx="0">
+              <a:schemeClr val="accent1"/>
+            </a:effectRef>
+            <a:fontRef idx="minor">
               <a:schemeClr val="tx1"/>
-            </a:solidFill>
-            <a:tailEnd type="triangle"/>
-          </a:ln>
-        </p:spPr>
-        <p:style>
-          <a:lnRef idx="1">
-            <a:schemeClr val="accent1"/>
-          </a:lnRef>
-          <a:fillRef idx="0">
-            <a:schemeClr val="accent1"/>
-          </a:fillRef>
-          <a:effectRef idx="0">
-            <a:schemeClr val="accent1"/>
-          </a:effectRef>
-          <a:fontRef idx="minor">
-            <a:schemeClr val="tx1"/>
-          </a:fontRef>
-        </p:style>
-      </p:cxnSp>
-      <p:sp>
-        <p:nvSpPr>
-          <p:cNvPr id="52" name="Rechteck 51"/>
-          <p:cNvSpPr/>
-          <p:nvPr/>
-        </p:nvSpPr>
-        <p:spPr>
-          <a:xfrm>
-            <a:off x="179747" y="5317521"/>
-            <a:ext cx="1294490" cy="578499"/>
-          </a:xfrm>
-          <a:prstGeom prst="rect">
-            <a:avLst/>
-          </a:prstGeom>
-          <a:solidFill>
-            <a:schemeClr val="bg1"/>
-          </a:solidFill>
-          <a:ln w="9525">
-            <a:solidFill>
-              <a:schemeClr val="tx1"/>
-            </a:solidFill>
-            <a:headEnd type="none" w="med" len="med"/>
-            <a:tailEnd type="arrow" w="med" len="med"/>
-          </a:ln>
-        </p:spPr>
-        <p:style>
-          <a:lnRef idx="2">
-            <a:schemeClr val="accent1">
-              <a:shade val="50000"/>
-            </a:schemeClr>
-          </a:lnRef>
-          <a:fillRef idx="1">
-            <a:schemeClr val="accent1"/>
-          </a:fillRef>
-          <a:effectRef idx="0">
-            <a:schemeClr val="accent1"/>
-          </a:effectRef>
-          <a:fontRef idx="minor">
-            <a:schemeClr val="lt1"/>
-          </a:fontRef>
-        </p:style>
-        <p:txBody>
-          <a:bodyPr rot="0" spcFirstLastPara="0" vertOverflow="overflow" horzOverflow="overflow" vert="horz" wrap="square" lIns="91440" tIns="45720" rIns="91440" bIns="45720" numCol="1" spcCol="0" rtlCol="0" fromWordArt="0" anchor="ctr" anchorCtr="0" forceAA="0" compatLnSpc="1">
-            <a:prstTxWarp prst="textNoShape">
-              <a:avLst/>
-            </a:prstTxWarp>
-            <a:noAutofit/>
-          </a:bodyPr>
-          <a:lstStyle/>
-          <a:p>
-            <a:pPr algn="ctr"/>
-            <a:r>
-              <a:rPr lang="en-US" dirty="0" smtClean="0">
-                <a:solidFill>
-                  <a:schemeClr val="tx1"/>
-                </a:solidFill>
-              </a:rPr>
-              <a:t>Requires</a:t>
-            </a:r>
-            <a:endParaRPr lang="en-US" dirty="0">
+            </a:fontRef>
+          </p:style>
+        </p:cxnSp>
+        <p:cxnSp>
+          <p:nvCxnSpPr>
+            <p:cNvPr id="40" name="Gewinkelter Verbinder 39"/>
+            <p:cNvCxnSpPr>
+              <a:stCxn id="52" idx="0"/>
+              <a:endCxn id="13" idx="3"/>
+            </p:cNvCxnSpPr>
+            <p:nvPr/>
+          </p:nvCxnSpPr>
+          <p:spPr>
+            <a:xfrm rot="5400000" flipH="1" flipV="1">
+              <a:off x="995642" y="4791233"/>
+              <a:ext cx="357639" cy="694938"/>
+            </a:xfrm>
+            <a:prstGeom prst="bentConnector3">
+              <a:avLst>
+                <a:gd name="adj1" fmla="val 50000"/>
+              </a:avLst>
+            </a:prstGeom>
+            <a:ln w="9525">
               <a:solidFill>
                 <a:schemeClr val="tx1"/>
               </a:solidFill>
-            </a:endParaRPr>
-          </a:p>
-        </p:txBody>
-      </p:sp>
-      <p:sp>
-        <p:nvSpPr>
-          <p:cNvPr id="53" name="Rechteck 52"/>
-          <p:cNvSpPr/>
-          <p:nvPr/>
-        </p:nvSpPr>
-        <p:spPr>
-          <a:xfrm>
-            <a:off x="1674899" y="5317668"/>
-            <a:ext cx="1294490" cy="578499"/>
-          </a:xfrm>
-          <a:prstGeom prst="rect">
-            <a:avLst/>
-          </a:prstGeom>
-          <a:solidFill>
-            <a:schemeClr val="bg1"/>
-          </a:solidFill>
-          <a:ln w="9525">
-            <a:solidFill>
+              <a:headEnd type="none" w="med" len="med"/>
+              <a:tailEnd type="none" w="med" len="med"/>
+            </a:ln>
+          </p:spPr>
+          <p:style>
+            <a:lnRef idx="1">
+              <a:schemeClr val="accent1"/>
+            </a:lnRef>
+            <a:fillRef idx="0">
+              <a:schemeClr val="accent1"/>
+            </a:fillRef>
+            <a:effectRef idx="0">
+              <a:schemeClr val="accent1"/>
+            </a:effectRef>
+            <a:fontRef idx="minor">
               <a:schemeClr val="tx1"/>
-            </a:solidFill>
-            <a:headEnd type="none" w="med" len="med"/>
-            <a:tailEnd type="arrow" w="med" len="med"/>
-          </a:ln>
-        </p:spPr>
-        <p:style>
-          <a:lnRef idx="2">
-            <a:schemeClr val="accent1">
-              <a:shade val="50000"/>
-            </a:schemeClr>
-          </a:lnRef>
-          <a:fillRef idx="1">
-            <a:schemeClr val="accent1"/>
-          </a:fillRef>
-          <a:effectRef idx="0">
-            <a:schemeClr val="accent1"/>
-          </a:effectRef>
-          <a:fontRef idx="minor">
-            <a:schemeClr val="lt1"/>
-          </a:fontRef>
-        </p:style>
-        <p:txBody>
-          <a:bodyPr rot="0" spcFirstLastPara="0" vertOverflow="overflow" horzOverflow="overflow" vert="horz" wrap="square" lIns="91440" tIns="45720" rIns="91440" bIns="45720" numCol="1" spcCol="0" rtlCol="0" fromWordArt="0" anchor="ctr" anchorCtr="0" forceAA="0" compatLnSpc="1">
-            <a:prstTxWarp prst="textNoShape">
-              <a:avLst/>
-            </a:prstTxWarp>
-            <a:noAutofit/>
-          </a:bodyPr>
-          <a:lstStyle/>
-          <a:p>
-            <a:pPr algn="ctr"/>
-            <a:r>
-              <a:rPr lang="en-US" dirty="0" smtClean="0">
-                <a:solidFill>
-                  <a:schemeClr val="tx1"/>
-                </a:solidFill>
-              </a:rPr>
-              <a:t>Excludes</a:t>
-            </a:r>
-            <a:endParaRPr lang="en-US" dirty="0">
-              <a:solidFill>
-                <a:schemeClr val="tx1"/>
-              </a:solidFill>
-            </a:endParaRPr>
-          </a:p>
-        </p:txBody>
-      </p:sp>
-      <p:sp>
-        <p:nvSpPr>
-          <p:cNvPr id="34" name="Textfeld 33"/>
-          <p:cNvSpPr txBox="1"/>
-          <p:nvPr/>
-        </p:nvSpPr>
-        <p:spPr>
-          <a:xfrm>
-            <a:off x="2528497" y="4065206"/>
-            <a:ext cx="284052" cy="400110"/>
-          </a:xfrm>
-          <a:prstGeom prst="rect">
-            <a:avLst/>
-          </a:prstGeom>
-          <a:noFill/>
-        </p:spPr>
-        <p:txBody>
-          <a:bodyPr wrap="none" rtlCol="0">
-            <a:spAutoFit/>
-          </a:bodyPr>
-          <a:lstStyle/>
-          <a:p>
-            <a:r>
-              <a:rPr lang="en-US" sz="2000" dirty="0" smtClean="0"/>
-              <a:t>*</a:t>
-            </a:r>
-            <a:endParaRPr lang="en-US" sz="2000" dirty="0"/>
-          </a:p>
-        </p:txBody>
-      </p:sp>
-      <p:sp>
-        <p:nvSpPr>
-          <p:cNvPr id="13" name="Gleichschenkliges Dreieck 12"/>
-          <p:cNvSpPr/>
-          <p:nvPr/>
-        </p:nvSpPr>
-        <p:spPr>
-          <a:xfrm>
-            <a:off x="1344648" y="4654363"/>
-            <a:ext cx="354563" cy="305519"/>
-          </a:xfrm>
-          <a:prstGeom prst="triangle">
-            <a:avLst/>
-          </a:prstGeom>
-          <a:noFill/>
-          <a:ln>
-            <a:solidFill>
-              <a:schemeClr val="tx1"/>
-            </a:solidFill>
-            <a:headEnd type="none" w="med" len="med"/>
-            <a:tailEnd type="arrow" w="med" len="med"/>
-          </a:ln>
-        </p:spPr>
-        <p:style>
-          <a:lnRef idx="2">
-            <a:schemeClr val="accent1">
-              <a:shade val="50000"/>
-            </a:schemeClr>
-          </a:lnRef>
-          <a:fillRef idx="1">
-            <a:schemeClr val="accent1"/>
-          </a:fillRef>
-          <a:effectRef idx="0">
-            <a:schemeClr val="accent1"/>
-          </a:effectRef>
-          <a:fontRef idx="minor">
-            <a:schemeClr val="lt1"/>
-          </a:fontRef>
-        </p:style>
-        <p:txBody>
-          <a:bodyPr rot="0" spcFirstLastPara="0" vertOverflow="overflow" horzOverflow="overflow" vert="horz" wrap="square" lIns="91440" tIns="45720" rIns="91440" bIns="45720" numCol="1" spcCol="0" rtlCol="0" fromWordArt="0" anchor="ctr" anchorCtr="0" forceAA="0" compatLnSpc="1">
-            <a:prstTxWarp prst="textNoShape">
-              <a:avLst/>
-            </a:prstTxWarp>
-            <a:noAutofit/>
-          </a:bodyPr>
-          <a:lstStyle/>
-          <a:p>
-            <a:pPr algn="ctr"/>
-            <a:endParaRPr lang="en-US"/>
-          </a:p>
-        </p:txBody>
-      </p:sp>
-      <p:cxnSp>
-        <p:nvCxnSpPr>
-          <p:cNvPr id="37" name="Gewinkelter Verbinder 36"/>
-          <p:cNvCxnSpPr>
-            <a:stCxn id="53" idx="0"/>
-            <a:endCxn id="13" idx="3"/>
-          </p:cNvCxnSpPr>
-          <p:nvPr/>
-        </p:nvCxnSpPr>
-        <p:spPr>
-          <a:xfrm rot="16200000" flipV="1">
-            <a:off x="1743144" y="4738668"/>
-            <a:ext cx="357786" cy="800214"/>
-          </a:xfrm>
-          <a:prstGeom prst="bentConnector3">
-            <a:avLst>
-              <a:gd name="adj1" fmla="val 50000"/>
-            </a:avLst>
-          </a:prstGeom>
-          <a:ln w="9525">
-            <a:solidFill>
-              <a:schemeClr val="tx1"/>
-            </a:solidFill>
-            <a:headEnd type="none" w="med" len="med"/>
-            <a:tailEnd type="none" w="med" len="med"/>
-          </a:ln>
-        </p:spPr>
-        <p:style>
-          <a:lnRef idx="1">
-            <a:schemeClr val="accent1"/>
-          </a:lnRef>
-          <a:fillRef idx="0">
-            <a:schemeClr val="accent1"/>
-          </a:fillRef>
-          <a:effectRef idx="0">
-            <a:schemeClr val="accent1"/>
-          </a:effectRef>
-          <a:fontRef idx="minor">
-            <a:schemeClr val="tx1"/>
-          </a:fontRef>
-        </p:style>
-      </p:cxnSp>
-      <p:cxnSp>
-        <p:nvCxnSpPr>
-          <p:cNvPr id="40" name="Gewinkelter Verbinder 39"/>
-          <p:cNvCxnSpPr>
-            <a:stCxn id="52" idx="0"/>
-            <a:endCxn id="13" idx="3"/>
-          </p:cNvCxnSpPr>
-          <p:nvPr/>
-        </p:nvCxnSpPr>
-        <p:spPr>
-          <a:xfrm rot="5400000" flipH="1" flipV="1">
-            <a:off x="995642" y="4791233"/>
-            <a:ext cx="357639" cy="694938"/>
-          </a:xfrm>
-          <a:prstGeom prst="bentConnector3">
-            <a:avLst>
-              <a:gd name="adj1" fmla="val 50000"/>
-            </a:avLst>
-          </a:prstGeom>
-          <a:ln w="9525">
-            <a:solidFill>
-              <a:schemeClr val="tx1"/>
-            </a:solidFill>
-            <a:headEnd type="none" w="med" len="med"/>
-            <a:tailEnd type="none" w="med" len="med"/>
-          </a:ln>
-        </p:spPr>
-        <p:style>
-          <a:lnRef idx="1">
-            <a:schemeClr val="accent1"/>
-          </a:lnRef>
-          <a:fillRef idx="0">
-            <a:schemeClr val="accent1"/>
-          </a:fillRef>
-          <a:effectRef idx="0">
-            <a:schemeClr val="accent1"/>
-          </a:effectRef>
-          <a:fontRef idx="minor">
-            <a:schemeClr val="tx1"/>
-          </a:fontRef>
-        </p:style>
-      </p:cxnSp>
+            </a:fontRef>
+          </p:style>
+        </p:cxnSp>
+      </p:grpSp>
     </p:spTree>
     <p:extLst>
       <p:ext uri="{BB962C8B-B14F-4D97-AF65-F5344CB8AC3E}">
